--- a/宣道詩/(宣道詩136)不住祈禱.pptx
+++ b/宣道詩/(宣道詩136)不住祈禱.pptx
@@ -3130,7 +3130,27 @@
                 <a:latin typeface="微軟正黑體" pitchFamily="34" charset="-120"/>
                 <a:ea typeface="微軟正黑體" pitchFamily="34" charset="-120"/>
               </a:rPr>
-              <a:t>不住祈禱 因主是近</a:t>
+              <a:t>不住祈禱 </a:t>
+            </a:r>
+            <a:r>
+              <a:rPr lang="zh-TW" altLang="en-US" sz="5000" b="1" dirty="0" smtClean="0">
+                <a:solidFill>
+                  <a:srgbClr val="002060"/>
+                </a:solidFill>
+                <a:latin typeface="微軟正黑體" pitchFamily="34" charset="-120"/>
+                <a:ea typeface="微軟正黑體" pitchFamily="34" charset="-120"/>
+              </a:rPr>
+              <a:t> 因</a:t>
+            </a:r>
+            <a:r>
+              <a:rPr lang="zh-TW" altLang="en-US" sz="5000" b="1" dirty="0">
+                <a:solidFill>
+                  <a:srgbClr val="002060"/>
+                </a:solidFill>
+                <a:latin typeface="微軟正黑體" pitchFamily="34" charset="-120"/>
+                <a:ea typeface="微軟正黑體" pitchFamily="34" charset="-120"/>
+              </a:rPr>
+              <a:t>主是近</a:t>
             </a:r>
           </a:p>
           <a:p>
@@ -3145,7 +3165,27 @@
                 <a:latin typeface="微軟正黑體" pitchFamily="34" charset="-120"/>
                 <a:ea typeface="微軟正黑體" pitchFamily="34" charset="-120"/>
               </a:rPr>
-              <a:t>不住祈禱 主全要</a:t>
+              <a:t>不住祈禱 </a:t>
+            </a:r>
+            <a:r>
+              <a:rPr lang="zh-TW" altLang="en-US" sz="5000" b="1" dirty="0" smtClean="0">
+                <a:solidFill>
+                  <a:srgbClr val="002060"/>
+                </a:solidFill>
+                <a:latin typeface="微軟正黑體" pitchFamily="34" charset="-120"/>
+                <a:ea typeface="微軟正黑體" pitchFamily="34" charset="-120"/>
+              </a:rPr>
+              <a:t> 主</a:t>
+            </a:r>
+            <a:r>
+              <a:rPr lang="zh-TW" altLang="en-US" sz="5000" b="1" dirty="0">
+                <a:solidFill>
+                  <a:srgbClr val="002060"/>
+                </a:solidFill>
+                <a:latin typeface="微軟正黑體" pitchFamily="34" charset="-120"/>
+                <a:ea typeface="微軟正黑體" pitchFamily="34" charset="-120"/>
+              </a:rPr>
+              <a:t>全要</a:t>
             </a:r>
             <a:r>
               <a:rPr lang="zh-TW" altLang="en-US" sz="5000" b="1" dirty="0" smtClean="0">
@@ -3187,7 +3227,27 @@
                 <a:latin typeface="微軟正黑體" pitchFamily="34" charset="-120"/>
                 <a:ea typeface="微軟正黑體" pitchFamily="34" charset="-120"/>
               </a:rPr>
-              <a:t>已許 決不失信</a:t>
+              <a:t>已許 </a:t>
+            </a:r>
+            <a:r>
+              <a:rPr lang="zh-TW" altLang="en-US" sz="5000" b="1" dirty="0" smtClean="0">
+                <a:solidFill>
+                  <a:srgbClr val="002060"/>
+                </a:solidFill>
+                <a:latin typeface="微軟正黑體" pitchFamily="34" charset="-120"/>
+                <a:ea typeface="微軟正黑體" pitchFamily="34" charset="-120"/>
+              </a:rPr>
+              <a:t> 決不</a:t>
+            </a:r>
+            <a:r>
+              <a:rPr lang="zh-TW" altLang="en-US" sz="5000" b="1" dirty="0">
+                <a:solidFill>
+                  <a:srgbClr val="002060"/>
+                </a:solidFill>
+                <a:latin typeface="微軟正黑體" pitchFamily="34" charset="-120"/>
+                <a:ea typeface="微軟正黑體" pitchFamily="34" charset="-120"/>
+              </a:rPr>
+              <a:t>失信</a:t>
             </a:r>
           </a:p>
           <a:p>
@@ -3202,7 +3262,27 @@
                 <a:latin typeface="微軟正黑體" pitchFamily="34" charset="-120"/>
                 <a:ea typeface="微軟正黑體" pitchFamily="34" charset="-120"/>
               </a:rPr>
-              <a:t>不住祈禱 主必應允</a:t>
+              <a:t>不住祈禱 </a:t>
+            </a:r>
+            <a:r>
+              <a:rPr lang="zh-TW" altLang="en-US" sz="5000" b="1" dirty="0" smtClean="0">
+                <a:solidFill>
+                  <a:srgbClr val="002060"/>
+                </a:solidFill>
+                <a:latin typeface="微軟正黑體" pitchFamily="34" charset="-120"/>
+                <a:ea typeface="微軟正黑體" pitchFamily="34" charset="-120"/>
+              </a:rPr>
+              <a:t> 主</a:t>
+            </a:r>
+            <a:r>
+              <a:rPr lang="zh-TW" altLang="en-US" sz="5000" b="1" dirty="0">
+                <a:solidFill>
+                  <a:srgbClr val="002060"/>
+                </a:solidFill>
+                <a:latin typeface="微軟正黑體" pitchFamily="34" charset="-120"/>
+                <a:ea typeface="微軟正黑體" pitchFamily="34" charset="-120"/>
+              </a:rPr>
+              <a:t>必應允</a:t>
             </a:r>
           </a:p>
         </p:txBody>
@@ -3293,7 +3373,27 @@
                 <a:latin typeface="微軟正黑體" pitchFamily="34" charset="-120"/>
                 <a:ea typeface="微軟正黑體" pitchFamily="34" charset="-120"/>
               </a:rPr>
-              <a:t>不住祈禱 凡百所需</a:t>
+              <a:t>不住</a:t>
+            </a:r>
+            <a:r>
+              <a:rPr lang="zh-TW" altLang="en-US" sz="5000" b="1" dirty="0" smtClean="0">
+                <a:solidFill>
+                  <a:srgbClr val="002060"/>
+                </a:solidFill>
+                <a:latin typeface="微軟正黑體" pitchFamily="34" charset="-120"/>
+                <a:ea typeface="微軟正黑體" pitchFamily="34" charset="-120"/>
+              </a:rPr>
+              <a:t>祈禱  </a:t>
+            </a:r>
+            <a:r>
+              <a:rPr lang="zh-TW" altLang="en-US" sz="5000" b="1" dirty="0">
+                <a:solidFill>
+                  <a:srgbClr val="002060"/>
+                </a:solidFill>
+                <a:latin typeface="微軟正黑體" pitchFamily="34" charset="-120"/>
+                <a:ea typeface="微軟正黑體" pitchFamily="34" charset="-120"/>
+              </a:rPr>
+              <a:t>凡百所需</a:t>
             </a:r>
           </a:p>
           <a:p>
@@ -3308,7 +3408,27 @@
                 <a:latin typeface="微軟正黑體" pitchFamily="34" charset="-120"/>
                 <a:ea typeface="微軟正黑體" pitchFamily="34" charset="-120"/>
               </a:rPr>
-              <a:t>不住祈禱 主賜全</a:t>
+              <a:t>不住</a:t>
+            </a:r>
+            <a:r>
+              <a:rPr lang="zh-TW" altLang="en-US" sz="5000" b="1" dirty="0" smtClean="0">
+                <a:solidFill>
+                  <a:srgbClr val="002060"/>
+                </a:solidFill>
+                <a:latin typeface="微軟正黑體" pitchFamily="34" charset="-120"/>
+                <a:ea typeface="微軟正黑體" pitchFamily="34" charset="-120"/>
+              </a:rPr>
+              <a:t>祈禱  </a:t>
+            </a:r>
+            <a:r>
+              <a:rPr lang="zh-TW" altLang="en-US" sz="5000" b="1" dirty="0">
+                <a:solidFill>
+                  <a:srgbClr val="002060"/>
+                </a:solidFill>
+                <a:latin typeface="微軟正黑體" pitchFamily="34" charset="-120"/>
+                <a:ea typeface="微軟正黑體" pitchFamily="34" charset="-120"/>
+              </a:rPr>
+              <a:t>主賜全</a:t>
             </a:r>
             <a:r>
               <a:rPr lang="zh-TW" altLang="en-US" sz="5000" b="1" dirty="0" smtClean="0">
@@ -3350,7 +3470,27 @@
                 <a:latin typeface="微軟正黑體" pitchFamily="34" charset="-120"/>
                 <a:ea typeface="微軟正黑體" pitchFamily="34" charset="-120"/>
               </a:rPr>
-              <a:t>一禱詞 主看太小</a:t>
+              <a:t>一禱詞 </a:t>
+            </a:r>
+            <a:r>
+              <a:rPr lang="zh-TW" altLang="en-US" sz="5000" b="1" dirty="0" smtClean="0">
+                <a:solidFill>
+                  <a:srgbClr val="002060"/>
+                </a:solidFill>
+                <a:latin typeface="微軟正黑體" pitchFamily="34" charset="-120"/>
+                <a:ea typeface="微軟正黑體" pitchFamily="34" charset="-120"/>
+              </a:rPr>
+              <a:t> 主</a:t>
+            </a:r>
+            <a:r>
+              <a:rPr lang="zh-TW" altLang="en-US" sz="5000" b="1" dirty="0">
+                <a:solidFill>
+                  <a:srgbClr val="002060"/>
+                </a:solidFill>
+                <a:latin typeface="微軟正黑體" pitchFamily="34" charset="-120"/>
+                <a:ea typeface="微軟正黑體" pitchFamily="34" charset="-120"/>
+              </a:rPr>
+              <a:t>看太小</a:t>
             </a:r>
           </a:p>
           <a:p>
@@ -3365,7 +3505,27 @@
                 <a:latin typeface="微軟正黑體" pitchFamily="34" charset="-120"/>
                 <a:ea typeface="微軟正黑體" pitchFamily="34" charset="-120"/>
               </a:rPr>
-              <a:t>不住祈禱 主都明瞭</a:t>
+              <a:t>不住祈禱 </a:t>
+            </a:r>
+            <a:r>
+              <a:rPr lang="zh-TW" altLang="en-US" sz="5000" b="1" dirty="0" smtClean="0">
+                <a:solidFill>
+                  <a:srgbClr val="002060"/>
+                </a:solidFill>
+                <a:latin typeface="微軟正黑體" pitchFamily="34" charset="-120"/>
+                <a:ea typeface="微軟正黑體" pitchFamily="34" charset="-120"/>
+              </a:rPr>
+              <a:t> 主</a:t>
+            </a:r>
+            <a:r>
+              <a:rPr lang="zh-TW" altLang="en-US" sz="5000" b="1" dirty="0">
+                <a:solidFill>
+                  <a:srgbClr val="002060"/>
+                </a:solidFill>
+                <a:latin typeface="微軟正黑體" pitchFamily="34" charset="-120"/>
+                <a:ea typeface="微軟正黑體" pitchFamily="34" charset="-120"/>
+              </a:rPr>
+              <a:t>都明瞭</a:t>
             </a:r>
           </a:p>
         </p:txBody>
@@ -3453,7 +3613,27 @@
                 <a:latin typeface="微軟正黑體" pitchFamily="34" charset="-120"/>
                 <a:ea typeface="微軟正黑體" pitchFamily="34" charset="-120"/>
               </a:rPr>
-              <a:t>不住祈禱 遇試探時</a:t>
+              <a:t>不住</a:t>
+            </a:r>
+            <a:r>
+              <a:rPr lang="zh-TW" altLang="en-US" sz="5000" b="1" dirty="0" smtClean="0">
+                <a:solidFill>
+                  <a:srgbClr val="002060"/>
+                </a:solidFill>
+                <a:latin typeface="微軟正黑體" pitchFamily="34" charset="-120"/>
+                <a:ea typeface="微軟正黑體" pitchFamily="34" charset="-120"/>
+              </a:rPr>
+              <a:t>祈禱  </a:t>
+            </a:r>
+            <a:r>
+              <a:rPr lang="zh-TW" altLang="en-US" sz="5000" b="1" dirty="0">
+                <a:solidFill>
+                  <a:srgbClr val="002060"/>
+                </a:solidFill>
+                <a:latin typeface="微軟正黑體" pitchFamily="34" charset="-120"/>
+                <a:ea typeface="微軟正黑體" pitchFamily="34" charset="-120"/>
+              </a:rPr>
+              <a:t>遇試探時</a:t>
             </a:r>
           </a:p>
           <a:p>
@@ -3468,7 +3648,27 @@
                 <a:latin typeface="微軟正黑體" pitchFamily="34" charset="-120"/>
                 <a:ea typeface="微軟正黑體" pitchFamily="34" charset="-120"/>
               </a:rPr>
-              <a:t>不住祈禱 必能</a:t>
+              <a:t>不住</a:t>
+            </a:r>
+            <a:r>
+              <a:rPr lang="zh-TW" altLang="en-US" sz="5000" b="1" dirty="0" smtClean="0">
+                <a:solidFill>
+                  <a:srgbClr val="002060"/>
+                </a:solidFill>
+                <a:latin typeface="微軟正黑體" pitchFamily="34" charset="-120"/>
+                <a:ea typeface="微軟正黑體" pitchFamily="34" charset="-120"/>
+              </a:rPr>
+              <a:t>祈禱  </a:t>
+            </a:r>
+            <a:r>
+              <a:rPr lang="zh-TW" altLang="en-US" sz="5000" b="1" dirty="0">
+                <a:solidFill>
+                  <a:srgbClr val="002060"/>
+                </a:solidFill>
+                <a:latin typeface="微軟正黑體" pitchFamily="34" charset="-120"/>
+                <a:ea typeface="微軟正黑體" pitchFamily="34" charset="-120"/>
+              </a:rPr>
+              <a:t>必能</a:t>
             </a:r>
             <a:r>
               <a:rPr lang="zh-TW" altLang="en-US" sz="5000" b="1" dirty="0" smtClean="0">
@@ -3510,7 +3710,27 @@
                 <a:latin typeface="微軟正黑體" pitchFamily="34" charset="-120"/>
                 <a:ea typeface="微軟正黑體" pitchFamily="34" charset="-120"/>
               </a:rPr>
-              <a:t>曾受試 凡事體恤</a:t>
+              <a:t>曾受</a:t>
+            </a:r>
+            <a:r>
+              <a:rPr lang="zh-TW" altLang="en-US" sz="5000" b="1" dirty="0" smtClean="0">
+                <a:solidFill>
+                  <a:srgbClr val="002060"/>
+                </a:solidFill>
+                <a:latin typeface="微軟正黑體" pitchFamily="34" charset="-120"/>
+                <a:ea typeface="微軟正黑體" pitchFamily="34" charset="-120"/>
+              </a:rPr>
+              <a:t>試  </a:t>
+            </a:r>
+            <a:r>
+              <a:rPr lang="zh-TW" altLang="en-US" sz="5000" b="1" dirty="0">
+                <a:solidFill>
+                  <a:srgbClr val="002060"/>
+                </a:solidFill>
+                <a:latin typeface="微軟正黑體" pitchFamily="34" charset="-120"/>
+                <a:ea typeface="微軟正黑體" pitchFamily="34" charset="-120"/>
+              </a:rPr>
+              <a:t>凡事體恤</a:t>
             </a:r>
           </a:p>
           <a:p>
@@ -3525,7 +3745,27 @@
                 <a:latin typeface="微軟正黑體" pitchFamily="34" charset="-120"/>
                 <a:ea typeface="微軟正黑體" pitchFamily="34" charset="-120"/>
               </a:rPr>
-              <a:t>不住祈禱 主攙扶你</a:t>
+              <a:t>不住</a:t>
+            </a:r>
+            <a:r>
+              <a:rPr lang="zh-TW" altLang="en-US" sz="5000" b="1" dirty="0" smtClean="0">
+                <a:solidFill>
+                  <a:srgbClr val="002060"/>
+                </a:solidFill>
+                <a:latin typeface="微軟正黑體" pitchFamily="34" charset="-120"/>
+                <a:ea typeface="微軟正黑體" pitchFamily="34" charset="-120"/>
+              </a:rPr>
+              <a:t>祈禱  </a:t>
+            </a:r>
+            <a:r>
+              <a:rPr lang="zh-TW" altLang="en-US" sz="5000" b="1" dirty="0">
+                <a:solidFill>
+                  <a:srgbClr val="002060"/>
+                </a:solidFill>
+                <a:latin typeface="微軟正黑體" pitchFamily="34" charset="-120"/>
+                <a:ea typeface="微軟正黑體" pitchFamily="34" charset="-120"/>
+              </a:rPr>
+              <a:t>主攙扶你</a:t>
             </a:r>
           </a:p>
         </p:txBody>
@@ -3613,7 +3853,27 @@
                 <a:latin typeface="微軟正黑體" pitchFamily="34" charset="-120"/>
                 <a:ea typeface="微軟正黑體" pitchFamily="34" charset="-120"/>
               </a:rPr>
-              <a:t>不住祈禱 若遇憂愁</a:t>
+              <a:t>不住</a:t>
+            </a:r>
+            <a:r>
+              <a:rPr lang="zh-TW" altLang="en-US" sz="5000" b="1" dirty="0" smtClean="0">
+                <a:solidFill>
+                  <a:srgbClr val="002060"/>
+                </a:solidFill>
+                <a:latin typeface="微軟正黑體" pitchFamily="34" charset="-120"/>
+                <a:ea typeface="微軟正黑體" pitchFamily="34" charset="-120"/>
+              </a:rPr>
+              <a:t>祈禱  </a:t>
+            </a:r>
+            <a:r>
+              <a:rPr lang="zh-TW" altLang="en-US" sz="5000" b="1" dirty="0">
+                <a:solidFill>
+                  <a:srgbClr val="002060"/>
+                </a:solidFill>
+                <a:latin typeface="微軟正黑體" pitchFamily="34" charset="-120"/>
+                <a:ea typeface="微軟正黑體" pitchFamily="34" charset="-120"/>
+              </a:rPr>
+              <a:t>若遇憂愁</a:t>
             </a:r>
           </a:p>
           <a:p>
@@ -3628,7 +3888,27 @@
                 <a:latin typeface="微軟正黑體" pitchFamily="34" charset="-120"/>
                 <a:ea typeface="微軟正黑體" pitchFamily="34" charset="-120"/>
               </a:rPr>
-              <a:t>不住祈禱 必能</a:t>
+              <a:t>不住祈禱 </a:t>
+            </a:r>
+            <a:r>
+              <a:rPr lang="zh-TW" altLang="en-US" sz="5000" b="1" dirty="0" smtClean="0">
+                <a:solidFill>
+                  <a:srgbClr val="002060"/>
+                </a:solidFill>
+                <a:latin typeface="微軟正黑體" pitchFamily="34" charset="-120"/>
+                <a:ea typeface="微軟正黑體" pitchFamily="34" charset="-120"/>
+              </a:rPr>
+              <a:t> 必</a:t>
+            </a:r>
+            <a:r>
+              <a:rPr lang="zh-TW" altLang="en-US" sz="5000" b="1" dirty="0">
+                <a:solidFill>
+                  <a:srgbClr val="002060"/>
+                </a:solidFill>
+                <a:latin typeface="微軟正黑體" pitchFamily="34" charset="-120"/>
+                <a:ea typeface="微軟正黑體" pitchFamily="34" charset="-120"/>
+              </a:rPr>
+              <a:t>能</a:t>
             </a:r>
             <a:r>
               <a:rPr lang="zh-TW" altLang="en-US" sz="5000" b="1" dirty="0" smtClean="0">
@@ -3670,7 +3950,27 @@
                 <a:latin typeface="微軟正黑體" pitchFamily="34" charset="-120"/>
                 <a:ea typeface="微軟正黑體" pitchFamily="34" charset="-120"/>
               </a:rPr>
-              <a:t>心苦楚 真神知道</a:t>
+              <a:t>心苦楚 </a:t>
+            </a:r>
+            <a:r>
+              <a:rPr lang="zh-TW" altLang="en-US" sz="5000" b="1" dirty="0" smtClean="0">
+                <a:solidFill>
+                  <a:srgbClr val="002060"/>
+                </a:solidFill>
+                <a:latin typeface="微軟正黑體" pitchFamily="34" charset="-120"/>
+                <a:ea typeface="微軟正黑體" pitchFamily="34" charset="-120"/>
+              </a:rPr>
+              <a:t> 真神</a:t>
+            </a:r>
+            <a:r>
+              <a:rPr lang="zh-TW" altLang="en-US" sz="5000" b="1" dirty="0">
+                <a:solidFill>
+                  <a:srgbClr val="002060"/>
+                </a:solidFill>
+                <a:latin typeface="微軟正黑體" pitchFamily="34" charset="-120"/>
+                <a:ea typeface="微軟正黑體" pitchFamily="34" charset="-120"/>
+              </a:rPr>
+              <a:t>知道</a:t>
             </a:r>
           </a:p>
           <a:p>
@@ -3685,7 +3985,27 @@
                 <a:latin typeface="微軟正黑體" pitchFamily="34" charset="-120"/>
                 <a:ea typeface="微軟正黑體" pitchFamily="34" charset="-120"/>
               </a:rPr>
-              <a:t>不住祈禱 主會排好</a:t>
+              <a:t>不住祈禱 </a:t>
+            </a:r>
+            <a:r>
+              <a:rPr lang="zh-TW" altLang="en-US" sz="5000" b="1" dirty="0" smtClean="0">
+                <a:solidFill>
+                  <a:srgbClr val="002060"/>
+                </a:solidFill>
+                <a:latin typeface="微軟正黑體" pitchFamily="34" charset="-120"/>
+                <a:ea typeface="微軟正黑體" pitchFamily="34" charset="-120"/>
+              </a:rPr>
+              <a:t> 主</a:t>
+            </a:r>
+            <a:r>
+              <a:rPr lang="zh-TW" altLang="en-US" sz="5000" b="1" dirty="0">
+                <a:solidFill>
+                  <a:srgbClr val="002060"/>
+                </a:solidFill>
+                <a:latin typeface="微軟正黑體" pitchFamily="34" charset="-120"/>
+                <a:ea typeface="微軟正黑體" pitchFamily="34" charset="-120"/>
+              </a:rPr>
+              <a:t>會排好</a:t>
             </a:r>
           </a:p>
         </p:txBody>
@@ -3778,7 +4098,27 @@
                 <a:latin typeface="微軟正黑體" pitchFamily="34" charset="-120"/>
                 <a:ea typeface="微軟正黑體" pitchFamily="34" charset="-120"/>
               </a:rPr>
-              <a:t>不住祈禱 當有信心</a:t>
+              <a:t>不住祈禱 </a:t>
+            </a:r>
+            <a:r>
+              <a:rPr lang="zh-TW" altLang="en-US" sz="5000" b="1" dirty="0" smtClean="0">
+                <a:solidFill>
+                  <a:srgbClr val="002060"/>
+                </a:solidFill>
+                <a:latin typeface="微軟正黑體" pitchFamily="34" charset="-120"/>
+                <a:ea typeface="微軟正黑體" pitchFamily="34" charset="-120"/>
+              </a:rPr>
+              <a:t> 當</a:t>
+            </a:r>
+            <a:r>
+              <a:rPr lang="zh-TW" altLang="en-US" sz="5000" b="1" dirty="0">
+                <a:solidFill>
+                  <a:srgbClr val="002060"/>
+                </a:solidFill>
+                <a:latin typeface="微軟正黑體" pitchFamily="34" charset="-120"/>
+                <a:ea typeface="微軟正黑體" pitchFamily="34" charset="-120"/>
+              </a:rPr>
+              <a:t>有信心</a:t>
             </a:r>
           </a:p>
           <a:p>
@@ -3793,7 +4133,27 @@
                 <a:latin typeface="微軟正黑體" pitchFamily="34" charset="-120"/>
                 <a:ea typeface="微軟正黑體" pitchFamily="34" charset="-120"/>
               </a:rPr>
-              <a:t>不住祈禱 是最</a:t>
+              <a:t>不住祈禱 </a:t>
+            </a:r>
+            <a:r>
+              <a:rPr lang="zh-TW" altLang="en-US" sz="5000" b="1" dirty="0" smtClean="0">
+                <a:solidFill>
+                  <a:srgbClr val="002060"/>
+                </a:solidFill>
+                <a:latin typeface="微軟正黑體" pitchFamily="34" charset="-120"/>
+                <a:ea typeface="微軟正黑體" pitchFamily="34" charset="-120"/>
+              </a:rPr>
+              <a:t> 是</a:t>
+            </a:r>
+            <a:r>
+              <a:rPr lang="zh-TW" altLang="en-US" sz="5000" b="1" dirty="0">
+                <a:solidFill>
+                  <a:srgbClr val="002060"/>
+                </a:solidFill>
+                <a:latin typeface="微軟正黑體" pitchFamily="34" charset="-120"/>
+                <a:ea typeface="微軟正黑體" pitchFamily="34" charset="-120"/>
+              </a:rPr>
+              <a:t>最</a:t>
             </a:r>
             <a:r>
               <a:rPr lang="zh-TW" altLang="en-US" sz="5000" b="1" dirty="0" smtClean="0">
@@ -3835,7 +4195,27 @@
                 <a:latin typeface="微軟正黑體" pitchFamily="34" charset="-120"/>
                 <a:ea typeface="微軟正黑體" pitchFamily="34" charset="-120"/>
               </a:rPr>
-              <a:t>能除 憂愁傷心</a:t>
+              <a:t>能除 </a:t>
+            </a:r>
+            <a:r>
+              <a:rPr lang="zh-TW" altLang="en-US" sz="5000" b="1" dirty="0" smtClean="0">
+                <a:solidFill>
+                  <a:srgbClr val="002060"/>
+                </a:solidFill>
+                <a:latin typeface="微軟正黑體" pitchFamily="34" charset="-120"/>
+                <a:ea typeface="微軟正黑體" pitchFamily="34" charset="-120"/>
+              </a:rPr>
+              <a:t> 憂愁</a:t>
+            </a:r>
+            <a:r>
+              <a:rPr lang="zh-TW" altLang="en-US" sz="5000" b="1" dirty="0">
+                <a:solidFill>
+                  <a:srgbClr val="002060"/>
+                </a:solidFill>
+                <a:latin typeface="微軟正黑體" pitchFamily="34" charset="-120"/>
+                <a:ea typeface="微軟正黑體" pitchFamily="34" charset="-120"/>
+              </a:rPr>
+              <a:t>傷心</a:t>
             </a:r>
           </a:p>
           <a:p>
@@ -3843,6 +4223,26 @@
               <a:buNone/>
             </a:pPr>
             <a:r>
+              <a:rPr lang="zh-TW" altLang="en-US" sz="5000" b="1">
+                <a:solidFill>
+                  <a:srgbClr val="002060"/>
+                </a:solidFill>
+                <a:latin typeface="微軟正黑體" pitchFamily="34" charset="-120"/>
+                <a:ea typeface="微軟正黑體" pitchFamily="34" charset="-120"/>
+              </a:rPr>
+              <a:t>不住</a:t>
+            </a:r>
+            <a:r>
+              <a:rPr lang="zh-TW" altLang="en-US" sz="5000" b="1" smtClean="0">
+                <a:solidFill>
+                  <a:srgbClr val="002060"/>
+                </a:solidFill>
+                <a:latin typeface="微軟正黑體" pitchFamily="34" charset="-120"/>
+                <a:ea typeface="微軟正黑體" pitchFamily="34" charset="-120"/>
+              </a:rPr>
+              <a:t>祈禱  </a:t>
+            </a:r>
+            <a:r>
               <a:rPr lang="zh-TW" altLang="en-US" sz="5000" b="1" dirty="0">
                 <a:solidFill>
                   <a:srgbClr val="002060"/>
@@ -3850,7 +4250,7 @@
                 <a:latin typeface="微軟正黑體" pitchFamily="34" charset="-120"/>
                 <a:ea typeface="微軟正黑體" pitchFamily="34" charset="-120"/>
               </a:rPr>
-              <a:t>不住祈禱 主必答應</a:t>
+              <a:t>主必答應</a:t>
             </a:r>
           </a:p>
         </p:txBody>

--- a/宣道詩/(宣道詩136)不住祈禱.pptx
+++ b/宣道詩/(宣道詩136)不住祈禱.pptx
@@ -3123,7 +3123,7 @@
               <a:buNone/>
             </a:pPr>
             <a:r>
-              <a:rPr lang="zh-TW" altLang="en-US" sz="5000" b="1" dirty="0">
+              <a:rPr lang="zh-TW" altLang="en-US" sz="4800" b="1" dirty="0">
                 <a:solidFill>
                   <a:srgbClr val="002060"/>
                 </a:solidFill>
@@ -3133,7 +3133,7 @@
               <a:t>不住祈禱 </a:t>
             </a:r>
             <a:r>
-              <a:rPr lang="zh-TW" altLang="en-US" sz="5000" b="1" dirty="0" smtClean="0">
+              <a:rPr lang="zh-TW" altLang="en-US" sz="4800" b="1" dirty="0" smtClean="0">
                 <a:solidFill>
                   <a:srgbClr val="002060"/>
                 </a:solidFill>
@@ -3143,7 +3143,7 @@
               <a:t> 因</a:t>
             </a:r>
             <a:r>
-              <a:rPr lang="zh-TW" altLang="en-US" sz="5000" b="1" dirty="0">
+              <a:rPr lang="zh-TW" altLang="en-US" sz="4800" b="1" dirty="0">
                 <a:solidFill>
                   <a:srgbClr val="002060"/>
                 </a:solidFill>
@@ -3158,7 +3158,7 @@
               <a:buNone/>
             </a:pPr>
             <a:r>
-              <a:rPr lang="zh-TW" altLang="en-US" sz="5000" b="1" dirty="0">
+              <a:rPr lang="zh-TW" altLang="en-US" sz="4800" b="1" dirty="0">
                 <a:solidFill>
                   <a:srgbClr val="002060"/>
                 </a:solidFill>
@@ -3168,7 +3168,7 @@
               <a:t>不住祈禱 </a:t>
             </a:r>
             <a:r>
-              <a:rPr lang="zh-TW" altLang="en-US" sz="5000" b="1" dirty="0" smtClean="0">
+              <a:rPr lang="zh-TW" altLang="en-US" sz="4800" b="1" dirty="0" smtClean="0">
                 <a:solidFill>
                   <a:srgbClr val="002060"/>
                 </a:solidFill>
@@ -3178,7 +3178,7 @@
               <a:t> 主</a:t>
             </a:r>
             <a:r>
-              <a:rPr lang="zh-TW" altLang="en-US" sz="5000" b="1" dirty="0">
+              <a:rPr lang="zh-TW" altLang="en-US" sz="4800" b="1" dirty="0">
                 <a:solidFill>
                   <a:srgbClr val="002060"/>
                 </a:solidFill>
@@ -3188,7 +3188,7 @@
               <a:t>全要</a:t>
             </a:r>
             <a:r>
-              <a:rPr lang="zh-TW" altLang="en-US" sz="5000" b="1" dirty="0" smtClean="0">
+              <a:rPr lang="zh-TW" altLang="en-US" sz="4800" b="1" dirty="0" smtClean="0">
                 <a:solidFill>
                   <a:srgbClr val="002060"/>
                 </a:solidFill>
@@ -3197,7 +3197,7 @@
               </a:rPr>
               <a:t>聽</a:t>
             </a:r>
-            <a:endParaRPr lang="en-US" altLang="zh-TW" sz="5000" b="1" dirty="0" smtClean="0">
+            <a:endParaRPr lang="en-US" altLang="zh-TW" sz="4800" b="1" dirty="0" smtClean="0">
               <a:solidFill>
                 <a:srgbClr val="002060"/>
               </a:solidFill>
@@ -3210,7 +3210,7 @@
               <a:buNone/>
             </a:pPr>
             <a:r>
-              <a:rPr lang="zh-TW" altLang="en-US" sz="5000" b="1" dirty="0" smtClean="0">
+              <a:rPr lang="zh-TW" altLang="en-US" sz="4800" b="1" dirty="0" smtClean="0">
                 <a:solidFill>
                   <a:srgbClr val="002060"/>
                 </a:solidFill>
@@ -3220,7 +3220,7 @@
               <a:t>真神</a:t>
             </a:r>
             <a:r>
-              <a:rPr lang="zh-TW" altLang="en-US" sz="5000" b="1" dirty="0">
+              <a:rPr lang="zh-TW" altLang="en-US" sz="4800" b="1" dirty="0">
                 <a:solidFill>
                   <a:srgbClr val="002060"/>
                 </a:solidFill>
@@ -3230,7 +3230,7 @@
               <a:t>已許 </a:t>
             </a:r>
             <a:r>
-              <a:rPr lang="zh-TW" altLang="en-US" sz="5000" b="1" dirty="0" smtClean="0">
+              <a:rPr lang="zh-TW" altLang="en-US" sz="4800" b="1" dirty="0" smtClean="0">
                 <a:solidFill>
                   <a:srgbClr val="002060"/>
                 </a:solidFill>
@@ -3240,7 +3240,7 @@
               <a:t> 決不</a:t>
             </a:r>
             <a:r>
-              <a:rPr lang="zh-TW" altLang="en-US" sz="5000" b="1" dirty="0">
+              <a:rPr lang="zh-TW" altLang="en-US" sz="4800" b="1" dirty="0">
                 <a:solidFill>
                   <a:srgbClr val="002060"/>
                 </a:solidFill>
@@ -3255,7 +3255,7 @@
               <a:buNone/>
             </a:pPr>
             <a:r>
-              <a:rPr lang="zh-TW" altLang="en-US" sz="5000" b="1" dirty="0">
+              <a:rPr lang="zh-TW" altLang="en-US" sz="4800" b="1" dirty="0">
                 <a:solidFill>
                   <a:srgbClr val="002060"/>
                 </a:solidFill>
@@ -3265,7 +3265,7 @@
               <a:t>不住祈禱 </a:t>
             </a:r>
             <a:r>
-              <a:rPr lang="zh-TW" altLang="en-US" sz="5000" b="1" dirty="0" smtClean="0">
+              <a:rPr lang="zh-TW" altLang="en-US" sz="4800" b="1" dirty="0" smtClean="0">
                 <a:solidFill>
                   <a:srgbClr val="002060"/>
                 </a:solidFill>
@@ -3275,7 +3275,7 @@
               <a:t> 主</a:t>
             </a:r>
             <a:r>
-              <a:rPr lang="zh-TW" altLang="en-US" sz="5000" b="1" dirty="0">
+              <a:rPr lang="zh-TW" altLang="en-US" sz="4800" b="1" dirty="0">
                 <a:solidFill>
                   <a:srgbClr val="002060"/>
                 </a:solidFill>
@@ -3284,6 +3284,44 @@
               </a:rPr>
               <a:t>必應允</a:t>
             </a:r>
+          </a:p>
+        </p:txBody>
+      </p:sp>
+      <p:sp>
+        <p:nvSpPr>
+          <p:cNvPr id="6" name="文字方塊 5"/>
+          <p:cNvSpPr txBox="1"/>
+          <p:nvPr/>
+        </p:nvSpPr>
+        <p:spPr>
+          <a:xfrm>
+            <a:off x="642910" y="1285866"/>
+            <a:ext cx="642942" cy="830997"/>
+          </a:xfrm>
+          <a:prstGeom prst="rect">
+            <a:avLst/>
+          </a:prstGeom>
+          <a:noFill/>
+        </p:spPr>
+        <p:txBody>
+          <a:bodyPr wrap="square" rtlCol="0">
+            <a:spAutoFit/>
+          </a:bodyPr>
+          <a:lstStyle/>
+          <a:p>
+            <a:r>
+              <a:rPr lang="en-US" altLang="zh-TW" sz="4800" b="1" dirty="0" smtClean="0">
+                <a:solidFill>
+                  <a:srgbClr val="002060"/>
+                </a:solidFill>
+              </a:rPr>
+              <a:t>1.</a:t>
+            </a:r>
+            <a:endParaRPr lang="zh-TW" altLang="en-US" sz="4800" b="1" dirty="0">
+              <a:solidFill>
+                <a:srgbClr val="002060"/>
+              </a:solidFill>
+            </a:endParaRPr>
           </a:p>
         </p:txBody>
       </p:sp>
@@ -3292,6 +3330,13 @@
   <p:clrMapOvr>
     <a:masterClrMapping/>
   </p:clrMapOvr>
+  <p:timing>
+    <p:tnLst>
+      <p:par>
+        <p:cTn id="1" dur="indefinite" restart="never" nodeType="tmRoot"/>
+      </p:par>
+    </p:tnLst>
+  </p:timing>
 </p:sld>
 </file>
 
@@ -3366,7 +3411,7 @@
               <a:buNone/>
             </a:pPr>
             <a:r>
-              <a:rPr lang="zh-TW" altLang="en-US" sz="5000" b="1" dirty="0">
+              <a:rPr lang="zh-TW" altLang="en-US" sz="4800" b="1" dirty="0">
                 <a:solidFill>
                   <a:srgbClr val="002060"/>
                 </a:solidFill>
@@ -3376,7 +3421,7 @@
               <a:t>不住</a:t>
             </a:r>
             <a:r>
-              <a:rPr lang="zh-TW" altLang="en-US" sz="5000" b="1" dirty="0" smtClean="0">
+              <a:rPr lang="zh-TW" altLang="en-US" sz="4800" b="1" dirty="0" smtClean="0">
                 <a:solidFill>
                   <a:srgbClr val="002060"/>
                 </a:solidFill>
@@ -3386,7 +3431,7 @@
               <a:t>祈禱  </a:t>
             </a:r>
             <a:r>
-              <a:rPr lang="zh-TW" altLang="en-US" sz="5000" b="1" dirty="0">
+              <a:rPr lang="zh-TW" altLang="en-US" sz="4800" b="1" dirty="0">
                 <a:solidFill>
                   <a:srgbClr val="002060"/>
                 </a:solidFill>
@@ -3401,7 +3446,7 @@
               <a:buNone/>
             </a:pPr>
             <a:r>
-              <a:rPr lang="zh-TW" altLang="en-US" sz="5000" b="1" dirty="0">
+              <a:rPr lang="zh-TW" altLang="en-US" sz="4800" b="1" dirty="0">
                 <a:solidFill>
                   <a:srgbClr val="002060"/>
                 </a:solidFill>
@@ -3411,7 +3456,7 @@
               <a:t>不住</a:t>
             </a:r>
             <a:r>
-              <a:rPr lang="zh-TW" altLang="en-US" sz="5000" b="1" dirty="0" smtClean="0">
+              <a:rPr lang="zh-TW" altLang="en-US" sz="4800" b="1" dirty="0" smtClean="0">
                 <a:solidFill>
                   <a:srgbClr val="002060"/>
                 </a:solidFill>
@@ -3421,7 +3466,7 @@
               <a:t>祈禱  </a:t>
             </a:r>
             <a:r>
-              <a:rPr lang="zh-TW" altLang="en-US" sz="5000" b="1" dirty="0">
+              <a:rPr lang="zh-TW" altLang="en-US" sz="4800" b="1" dirty="0">
                 <a:solidFill>
                   <a:srgbClr val="002060"/>
                 </a:solidFill>
@@ -3431,7 +3476,7 @@
               <a:t>主賜全</a:t>
             </a:r>
             <a:r>
-              <a:rPr lang="zh-TW" altLang="en-US" sz="5000" b="1" dirty="0" smtClean="0">
+              <a:rPr lang="zh-TW" altLang="en-US" sz="4800" b="1" dirty="0" smtClean="0">
                 <a:solidFill>
                   <a:srgbClr val="002060"/>
                 </a:solidFill>
@@ -3440,7 +3485,7 @@
               </a:rPr>
               <a:t>備</a:t>
             </a:r>
-            <a:endParaRPr lang="en-US" altLang="zh-TW" sz="5000" b="1" dirty="0" smtClean="0">
+            <a:endParaRPr lang="en-US" altLang="zh-TW" sz="4800" b="1" dirty="0" smtClean="0">
               <a:solidFill>
                 <a:srgbClr val="002060"/>
               </a:solidFill>
@@ -3453,7 +3498,7 @@
               <a:buNone/>
             </a:pPr>
             <a:r>
-              <a:rPr lang="zh-TW" altLang="en-US" sz="5000" b="1" dirty="0" smtClean="0">
+              <a:rPr lang="zh-TW" altLang="en-US" sz="4800" b="1" dirty="0" smtClean="0">
                 <a:solidFill>
                   <a:srgbClr val="002060"/>
                 </a:solidFill>
@@ -3463,7 +3508,7 @@
               <a:t>無</a:t>
             </a:r>
             <a:r>
-              <a:rPr lang="zh-TW" altLang="en-US" sz="5000" b="1" dirty="0">
+              <a:rPr lang="zh-TW" altLang="en-US" sz="4800" b="1" dirty="0">
                 <a:solidFill>
                   <a:srgbClr val="002060"/>
                 </a:solidFill>
@@ -3473,7 +3518,7 @@
               <a:t>一禱詞 </a:t>
             </a:r>
             <a:r>
-              <a:rPr lang="zh-TW" altLang="en-US" sz="5000" b="1" dirty="0" smtClean="0">
+              <a:rPr lang="zh-TW" altLang="en-US" sz="4800" b="1" dirty="0" smtClean="0">
                 <a:solidFill>
                   <a:srgbClr val="002060"/>
                 </a:solidFill>
@@ -3483,7 +3528,7 @@
               <a:t> 主</a:t>
             </a:r>
             <a:r>
-              <a:rPr lang="zh-TW" altLang="en-US" sz="5000" b="1" dirty="0">
+              <a:rPr lang="zh-TW" altLang="en-US" sz="4800" b="1" dirty="0">
                 <a:solidFill>
                   <a:srgbClr val="002060"/>
                 </a:solidFill>
@@ -3498,7 +3543,7 @@
               <a:buNone/>
             </a:pPr>
             <a:r>
-              <a:rPr lang="zh-TW" altLang="en-US" sz="5000" b="1" dirty="0">
+              <a:rPr lang="zh-TW" altLang="en-US" sz="4800" b="1" dirty="0">
                 <a:solidFill>
                   <a:srgbClr val="002060"/>
                 </a:solidFill>
@@ -3508,7 +3553,7 @@
               <a:t>不住祈禱 </a:t>
             </a:r>
             <a:r>
-              <a:rPr lang="zh-TW" altLang="en-US" sz="5000" b="1" dirty="0" smtClean="0">
+              <a:rPr lang="zh-TW" altLang="en-US" sz="4800" b="1" dirty="0" smtClean="0">
                 <a:solidFill>
                   <a:srgbClr val="002060"/>
                 </a:solidFill>
@@ -3518,7 +3563,7 @@
               <a:t> 主</a:t>
             </a:r>
             <a:r>
-              <a:rPr lang="zh-TW" altLang="en-US" sz="5000" b="1" dirty="0">
+              <a:rPr lang="zh-TW" altLang="en-US" sz="4800" b="1" dirty="0">
                 <a:solidFill>
                   <a:srgbClr val="002060"/>
                 </a:solidFill>
@@ -3527,6 +3572,52 @@
               </a:rPr>
               <a:t>都明瞭</a:t>
             </a:r>
+          </a:p>
+        </p:txBody>
+      </p:sp>
+      <p:sp>
+        <p:nvSpPr>
+          <p:cNvPr id="6" name="文字方塊 5"/>
+          <p:cNvSpPr txBox="1"/>
+          <p:nvPr/>
+        </p:nvSpPr>
+        <p:spPr>
+          <a:xfrm>
+            <a:off x="642910" y="1285866"/>
+            <a:ext cx="642942" cy="830997"/>
+          </a:xfrm>
+          <a:prstGeom prst="rect">
+            <a:avLst/>
+          </a:prstGeom>
+          <a:noFill/>
+        </p:spPr>
+        <p:txBody>
+          <a:bodyPr wrap="square" rtlCol="0">
+            <a:spAutoFit/>
+          </a:bodyPr>
+          <a:lstStyle/>
+          <a:p>
+            <a:r>
+              <a:rPr lang="en-US" altLang="zh-TW" sz="4800" b="1" dirty="0" smtClean="0">
+                <a:solidFill>
+                  <a:srgbClr val="002060"/>
+                </a:solidFill>
+              </a:rPr>
+              <a:t>2</a:t>
+            </a:r>
+            <a:r>
+              <a:rPr lang="en-US" altLang="zh-TW" sz="4800" b="1" dirty="0" smtClean="0">
+                <a:solidFill>
+                  <a:srgbClr val="002060"/>
+                </a:solidFill>
+              </a:rPr>
+              <a:t>.</a:t>
+            </a:r>
+            <a:endParaRPr lang="zh-TW" altLang="en-US" sz="4800" b="1" dirty="0">
+              <a:solidFill>
+                <a:srgbClr val="002060"/>
+              </a:solidFill>
+            </a:endParaRPr>
           </a:p>
         </p:txBody>
       </p:sp>
@@ -3535,6 +3626,13 @@
   <p:clrMapOvr>
     <a:masterClrMapping/>
   </p:clrMapOvr>
+  <p:timing>
+    <p:tnLst>
+      <p:par>
+        <p:cTn id="1" dur="indefinite" restart="never" nodeType="tmRoot"/>
+      </p:par>
+    </p:tnLst>
+  </p:timing>
 </p:sld>
 </file>
 
@@ -3606,7 +3704,7 @@
               <a:buNone/>
             </a:pPr>
             <a:r>
-              <a:rPr lang="zh-TW" altLang="en-US" sz="5000" b="1" dirty="0">
+              <a:rPr lang="zh-TW" altLang="en-US" sz="4800" b="1" dirty="0">
                 <a:solidFill>
                   <a:srgbClr val="002060"/>
                 </a:solidFill>
@@ -3616,7 +3714,7 @@
               <a:t>不住</a:t>
             </a:r>
             <a:r>
-              <a:rPr lang="zh-TW" altLang="en-US" sz="5000" b="1" dirty="0" smtClean="0">
+              <a:rPr lang="zh-TW" altLang="en-US" sz="4800" b="1" dirty="0" smtClean="0">
                 <a:solidFill>
                   <a:srgbClr val="002060"/>
                 </a:solidFill>
@@ -3626,7 +3724,7 @@
               <a:t>祈禱  </a:t>
             </a:r>
             <a:r>
-              <a:rPr lang="zh-TW" altLang="en-US" sz="5000" b="1" dirty="0">
+              <a:rPr lang="zh-TW" altLang="en-US" sz="4800" b="1" dirty="0">
                 <a:solidFill>
                   <a:srgbClr val="002060"/>
                 </a:solidFill>
@@ -3641,7 +3739,7 @@
               <a:buNone/>
             </a:pPr>
             <a:r>
-              <a:rPr lang="zh-TW" altLang="en-US" sz="5000" b="1" dirty="0">
+              <a:rPr lang="zh-TW" altLang="en-US" sz="4800" b="1" dirty="0">
                 <a:solidFill>
                   <a:srgbClr val="002060"/>
                 </a:solidFill>
@@ -3651,7 +3749,7 @@
               <a:t>不住</a:t>
             </a:r>
             <a:r>
-              <a:rPr lang="zh-TW" altLang="en-US" sz="5000" b="1" dirty="0" smtClean="0">
+              <a:rPr lang="zh-TW" altLang="en-US" sz="4800" b="1" dirty="0" smtClean="0">
                 <a:solidFill>
                   <a:srgbClr val="002060"/>
                 </a:solidFill>
@@ -3661,7 +3759,7 @@
               <a:t>祈禱  </a:t>
             </a:r>
             <a:r>
-              <a:rPr lang="zh-TW" altLang="en-US" sz="5000" b="1" dirty="0">
+              <a:rPr lang="zh-TW" altLang="en-US" sz="4800" b="1" dirty="0">
                 <a:solidFill>
                   <a:srgbClr val="002060"/>
                 </a:solidFill>
@@ -3671,7 +3769,7 @@
               <a:t>必能</a:t>
             </a:r>
             <a:r>
-              <a:rPr lang="zh-TW" altLang="en-US" sz="5000" b="1" dirty="0" smtClean="0">
+              <a:rPr lang="zh-TW" altLang="en-US" sz="4800" b="1" dirty="0" smtClean="0">
                 <a:solidFill>
                   <a:srgbClr val="002060"/>
                 </a:solidFill>
@@ -3680,7 +3778,7 @@
               </a:rPr>
               <a:t>站住</a:t>
             </a:r>
-            <a:endParaRPr lang="en-US" altLang="zh-TW" sz="5000" b="1" dirty="0" smtClean="0">
+            <a:endParaRPr lang="en-US" altLang="zh-TW" sz="4800" b="1" dirty="0" smtClean="0">
               <a:solidFill>
                 <a:srgbClr val="002060"/>
               </a:solidFill>
@@ -3693,7 +3791,7 @@
               <a:buNone/>
             </a:pPr>
             <a:r>
-              <a:rPr lang="zh-TW" altLang="en-US" sz="5000" b="1" dirty="0" smtClean="0">
+              <a:rPr lang="zh-TW" altLang="en-US" sz="4800" b="1" dirty="0" smtClean="0">
                 <a:solidFill>
                   <a:srgbClr val="002060"/>
                 </a:solidFill>
@@ -3703,7 +3801,7 @@
               <a:t>主</a:t>
             </a:r>
             <a:r>
-              <a:rPr lang="zh-TW" altLang="en-US" sz="5000" b="1" dirty="0">
+              <a:rPr lang="zh-TW" altLang="en-US" sz="4800" b="1" dirty="0">
                 <a:solidFill>
                   <a:srgbClr val="002060"/>
                 </a:solidFill>
@@ -3713,7 +3811,7 @@
               <a:t>曾受</a:t>
             </a:r>
             <a:r>
-              <a:rPr lang="zh-TW" altLang="en-US" sz="5000" b="1" dirty="0" smtClean="0">
+              <a:rPr lang="zh-TW" altLang="en-US" sz="4800" b="1" dirty="0" smtClean="0">
                 <a:solidFill>
                   <a:srgbClr val="002060"/>
                 </a:solidFill>
@@ -3723,7 +3821,7 @@
               <a:t>試  </a:t>
             </a:r>
             <a:r>
-              <a:rPr lang="zh-TW" altLang="en-US" sz="5000" b="1" dirty="0">
+              <a:rPr lang="zh-TW" altLang="en-US" sz="4800" b="1" dirty="0">
                 <a:solidFill>
                   <a:srgbClr val="002060"/>
                 </a:solidFill>
@@ -3738,7 +3836,7 @@
               <a:buNone/>
             </a:pPr>
             <a:r>
-              <a:rPr lang="zh-TW" altLang="en-US" sz="5000" b="1" dirty="0">
+              <a:rPr lang="zh-TW" altLang="en-US" sz="4800" b="1" dirty="0">
                 <a:solidFill>
                   <a:srgbClr val="002060"/>
                 </a:solidFill>
@@ -3748,7 +3846,7 @@
               <a:t>不住</a:t>
             </a:r>
             <a:r>
-              <a:rPr lang="zh-TW" altLang="en-US" sz="5000" b="1" dirty="0" smtClean="0">
+              <a:rPr lang="zh-TW" altLang="en-US" sz="4800" b="1" dirty="0" smtClean="0">
                 <a:solidFill>
                   <a:srgbClr val="002060"/>
                 </a:solidFill>
@@ -3758,7 +3856,7 @@
               <a:t>祈禱  </a:t>
             </a:r>
             <a:r>
-              <a:rPr lang="zh-TW" altLang="en-US" sz="5000" b="1" dirty="0">
+              <a:rPr lang="zh-TW" altLang="en-US" sz="4800" b="1" dirty="0">
                 <a:solidFill>
                   <a:srgbClr val="002060"/>
                 </a:solidFill>
@@ -3767,6 +3865,52 @@
               </a:rPr>
               <a:t>主攙扶你</a:t>
             </a:r>
+          </a:p>
+        </p:txBody>
+      </p:sp>
+      <p:sp>
+        <p:nvSpPr>
+          <p:cNvPr id="6" name="文字方塊 5"/>
+          <p:cNvSpPr txBox="1"/>
+          <p:nvPr/>
+        </p:nvSpPr>
+        <p:spPr>
+          <a:xfrm>
+            <a:off x="642910" y="1285866"/>
+            <a:ext cx="642942" cy="830997"/>
+          </a:xfrm>
+          <a:prstGeom prst="rect">
+            <a:avLst/>
+          </a:prstGeom>
+          <a:noFill/>
+        </p:spPr>
+        <p:txBody>
+          <a:bodyPr wrap="square" rtlCol="0">
+            <a:spAutoFit/>
+          </a:bodyPr>
+          <a:lstStyle/>
+          <a:p>
+            <a:r>
+              <a:rPr lang="en-US" altLang="zh-TW" sz="4800" b="1" dirty="0" smtClean="0">
+                <a:solidFill>
+                  <a:srgbClr val="002060"/>
+                </a:solidFill>
+              </a:rPr>
+              <a:t>3</a:t>
+            </a:r>
+            <a:r>
+              <a:rPr lang="en-US" altLang="zh-TW" sz="4800" b="1" dirty="0" smtClean="0">
+                <a:solidFill>
+                  <a:srgbClr val="002060"/>
+                </a:solidFill>
+              </a:rPr>
+              <a:t>.</a:t>
+            </a:r>
+            <a:endParaRPr lang="zh-TW" altLang="en-US" sz="4800" b="1" dirty="0">
+              <a:solidFill>
+                <a:srgbClr val="002060"/>
+              </a:solidFill>
+            </a:endParaRPr>
           </a:p>
         </p:txBody>
       </p:sp>
@@ -3775,6 +3919,13 @@
   <p:clrMapOvr>
     <a:masterClrMapping/>
   </p:clrMapOvr>
+  <p:timing>
+    <p:tnLst>
+      <p:par>
+        <p:cTn id="1" dur="indefinite" restart="never" nodeType="tmRoot"/>
+      </p:par>
+    </p:tnLst>
+  </p:timing>
 </p:sld>
 </file>
 
@@ -3846,7 +3997,7 @@
               <a:buNone/>
             </a:pPr>
             <a:r>
-              <a:rPr lang="zh-TW" altLang="en-US" sz="5000" b="1" dirty="0">
+              <a:rPr lang="zh-TW" altLang="en-US" sz="4800" b="1" dirty="0">
                 <a:solidFill>
                   <a:srgbClr val="002060"/>
                 </a:solidFill>
@@ -3856,7 +4007,7 @@
               <a:t>不住</a:t>
             </a:r>
             <a:r>
-              <a:rPr lang="zh-TW" altLang="en-US" sz="5000" b="1" dirty="0" smtClean="0">
+              <a:rPr lang="zh-TW" altLang="en-US" sz="4800" b="1" dirty="0" smtClean="0">
                 <a:solidFill>
                   <a:srgbClr val="002060"/>
                 </a:solidFill>
@@ -3866,7 +4017,7 @@
               <a:t>祈禱  </a:t>
             </a:r>
             <a:r>
-              <a:rPr lang="zh-TW" altLang="en-US" sz="5000" b="1" dirty="0">
+              <a:rPr lang="zh-TW" altLang="en-US" sz="4800" b="1" dirty="0">
                 <a:solidFill>
                   <a:srgbClr val="002060"/>
                 </a:solidFill>
@@ -3881,7 +4032,7 @@
               <a:buNone/>
             </a:pPr>
             <a:r>
-              <a:rPr lang="zh-TW" altLang="en-US" sz="5000" b="1" dirty="0">
+              <a:rPr lang="zh-TW" altLang="en-US" sz="4800" b="1" dirty="0">
                 <a:solidFill>
                   <a:srgbClr val="002060"/>
                 </a:solidFill>
@@ -3891,7 +4042,7 @@
               <a:t>不住祈禱 </a:t>
             </a:r>
             <a:r>
-              <a:rPr lang="zh-TW" altLang="en-US" sz="5000" b="1" dirty="0" smtClean="0">
+              <a:rPr lang="zh-TW" altLang="en-US" sz="4800" b="1" dirty="0" smtClean="0">
                 <a:solidFill>
                   <a:srgbClr val="002060"/>
                 </a:solidFill>
@@ -3901,7 +4052,7 @@
               <a:t> 必</a:t>
             </a:r>
             <a:r>
-              <a:rPr lang="zh-TW" altLang="en-US" sz="5000" b="1" dirty="0">
+              <a:rPr lang="zh-TW" altLang="en-US" sz="4800" b="1" dirty="0">
                 <a:solidFill>
                   <a:srgbClr val="002060"/>
                 </a:solidFill>
@@ -3911,7 +4062,7 @@
               <a:t>能</a:t>
             </a:r>
             <a:r>
-              <a:rPr lang="zh-TW" altLang="en-US" sz="5000" b="1" dirty="0" smtClean="0">
+              <a:rPr lang="zh-TW" altLang="en-US" sz="4800" b="1" dirty="0" smtClean="0">
                 <a:solidFill>
                   <a:srgbClr val="002060"/>
                 </a:solidFill>
@@ -3920,7 +4071,7 @@
               </a:rPr>
               <a:t>拯救</a:t>
             </a:r>
-            <a:endParaRPr lang="en-US" altLang="zh-TW" sz="5000" b="1" dirty="0" smtClean="0">
+            <a:endParaRPr lang="en-US" altLang="zh-TW" sz="4800" b="1" dirty="0" smtClean="0">
               <a:solidFill>
                 <a:srgbClr val="002060"/>
               </a:solidFill>
@@ -3933,7 +4084,7 @@
               <a:buNone/>
             </a:pPr>
             <a:r>
-              <a:rPr lang="zh-TW" altLang="en-US" sz="5000" b="1" dirty="0" smtClean="0">
+              <a:rPr lang="zh-TW" altLang="en-US" sz="4800" b="1" dirty="0" smtClean="0">
                 <a:solidFill>
                   <a:srgbClr val="002060"/>
                 </a:solidFill>
@@ -3943,7 +4094,7 @@
               <a:t>你</a:t>
             </a:r>
             <a:r>
-              <a:rPr lang="zh-TW" altLang="en-US" sz="5000" b="1" dirty="0">
+              <a:rPr lang="zh-TW" altLang="en-US" sz="4800" b="1" dirty="0">
                 <a:solidFill>
                   <a:srgbClr val="002060"/>
                 </a:solidFill>
@@ -3953,7 +4104,7 @@
               <a:t>心苦楚 </a:t>
             </a:r>
             <a:r>
-              <a:rPr lang="zh-TW" altLang="en-US" sz="5000" b="1" dirty="0" smtClean="0">
+              <a:rPr lang="zh-TW" altLang="en-US" sz="4800" b="1" dirty="0" smtClean="0">
                 <a:solidFill>
                   <a:srgbClr val="002060"/>
                 </a:solidFill>
@@ -3963,7 +4114,7 @@
               <a:t> 真神</a:t>
             </a:r>
             <a:r>
-              <a:rPr lang="zh-TW" altLang="en-US" sz="5000" b="1" dirty="0">
+              <a:rPr lang="zh-TW" altLang="en-US" sz="4800" b="1" dirty="0">
                 <a:solidFill>
                   <a:srgbClr val="002060"/>
                 </a:solidFill>
@@ -3978,7 +4129,7 @@
               <a:buNone/>
             </a:pPr>
             <a:r>
-              <a:rPr lang="zh-TW" altLang="en-US" sz="5000" b="1" dirty="0">
+              <a:rPr lang="zh-TW" altLang="en-US" sz="4800" b="1" dirty="0">
                 <a:solidFill>
                   <a:srgbClr val="002060"/>
                 </a:solidFill>
@@ -3988,7 +4139,7 @@
               <a:t>不住祈禱 </a:t>
             </a:r>
             <a:r>
-              <a:rPr lang="zh-TW" altLang="en-US" sz="5000" b="1" dirty="0" smtClean="0">
+              <a:rPr lang="zh-TW" altLang="en-US" sz="4800" b="1" dirty="0" smtClean="0">
                 <a:solidFill>
                   <a:srgbClr val="002060"/>
                 </a:solidFill>
@@ -3998,7 +4149,7 @@
               <a:t> 主</a:t>
             </a:r>
             <a:r>
-              <a:rPr lang="zh-TW" altLang="en-US" sz="5000" b="1" dirty="0">
+              <a:rPr lang="zh-TW" altLang="en-US" sz="4800" b="1" dirty="0">
                 <a:solidFill>
                   <a:srgbClr val="002060"/>
                 </a:solidFill>
@@ -4007,6 +4158,52 @@
               </a:rPr>
               <a:t>會排好</a:t>
             </a:r>
+          </a:p>
+        </p:txBody>
+      </p:sp>
+      <p:sp>
+        <p:nvSpPr>
+          <p:cNvPr id="6" name="文字方塊 5"/>
+          <p:cNvSpPr txBox="1"/>
+          <p:nvPr/>
+        </p:nvSpPr>
+        <p:spPr>
+          <a:xfrm>
+            <a:off x="642910" y="1285866"/>
+            <a:ext cx="642942" cy="830997"/>
+          </a:xfrm>
+          <a:prstGeom prst="rect">
+            <a:avLst/>
+          </a:prstGeom>
+          <a:noFill/>
+        </p:spPr>
+        <p:txBody>
+          <a:bodyPr wrap="square" rtlCol="0">
+            <a:spAutoFit/>
+          </a:bodyPr>
+          <a:lstStyle/>
+          <a:p>
+            <a:r>
+              <a:rPr lang="en-US" altLang="zh-TW" sz="4800" b="1" dirty="0" smtClean="0">
+                <a:solidFill>
+                  <a:srgbClr val="002060"/>
+                </a:solidFill>
+              </a:rPr>
+              <a:t>4</a:t>
+            </a:r>
+            <a:r>
+              <a:rPr lang="en-US" altLang="zh-TW" sz="4800" b="1" dirty="0" smtClean="0">
+                <a:solidFill>
+                  <a:srgbClr val="002060"/>
+                </a:solidFill>
+              </a:rPr>
+              <a:t>.</a:t>
+            </a:r>
+            <a:endParaRPr lang="zh-TW" altLang="en-US" sz="4800" b="1" dirty="0">
+              <a:solidFill>
+                <a:srgbClr val="002060"/>
+              </a:solidFill>
+            </a:endParaRPr>
           </a:p>
         </p:txBody>
       </p:sp>
@@ -4015,6 +4212,13 @@
   <p:clrMapOvr>
     <a:masterClrMapping/>
   </p:clrMapOvr>
+  <p:timing>
+    <p:tnLst>
+      <p:par>
+        <p:cTn id="1" dur="indefinite" restart="never" nodeType="tmRoot"/>
+      </p:par>
+    </p:tnLst>
+  </p:timing>
 </p:sld>
 </file>
 
@@ -4091,7 +4295,7 @@
               <a:buNone/>
             </a:pPr>
             <a:r>
-              <a:rPr lang="zh-TW" altLang="en-US" sz="5000" b="1" dirty="0">
+              <a:rPr lang="zh-TW" altLang="en-US" sz="4800" b="1" dirty="0">
                 <a:solidFill>
                   <a:srgbClr val="002060"/>
                 </a:solidFill>
@@ -4101,7 +4305,7 @@
               <a:t>不住祈禱 </a:t>
             </a:r>
             <a:r>
-              <a:rPr lang="zh-TW" altLang="en-US" sz="5000" b="1" dirty="0" smtClean="0">
+              <a:rPr lang="zh-TW" altLang="en-US" sz="4800" b="1" dirty="0" smtClean="0">
                 <a:solidFill>
                   <a:srgbClr val="002060"/>
                 </a:solidFill>
@@ -4111,7 +4315,7 @@
               <a:t> 當</a:t>
             </a:r>
             <a:r>
-              <a:rPr lang="zh-TW" altLang="en-US" sz="5000" b="1" dirty="0">
+              <a:rPr lang="zh-TW" altLang="en-US" sz="4800" b="1" dirty="0">
                 <a:solidFill>
                   <a:srgbClr val="002060"/>
                 </a:solidFill>
@@ -4126,7 +4330,7 @@
               <a:buNone/>
             </a:pPr>
             <a:r>
-              <a:rPr lang="zh-TW" altLang="en-US" sz="5000" b="1" dirty="0">
+              <a:rPr lang="zh-TW" altLang="en-US" sz="4800" b="1" dirty="0">
                 <a:solidFill>
                   <a:srgbClr val="002060"/>
                 </a:solidFill>
@@ -4136,7 +4340,7 @@
               <a:t>不住祈禱 </a:t>
             </a:r>
             <a:r>
-              <a:rPr lang="zh-TW" altLang="en-US" sz="5000" b="1" dirty="0" smtClean="0">
+              <a:rPr lang="zh-TW" altLang="en-US" sz="4800" b="1" dirty="0" smtClean="0">
                 <a:solidFill>
                   <a:srgbClr val="002060"/>
                 </a:solidFill>
@@ -4146,7 +4350,7 @@
               <a:t> 是</a:t>
             </a:r>
             <a:r>
-              <a:rPr lang="zh-TW" altLang="en-US" sz="5000" b="1" dirty="0">
+              <a:rPr lang="zh-TW" altLang="en-US" sz="4800" b="1" dirty="0">
                 <a:solidFill>
                   <a:srgbClr val="002060"/>
                 </a:solidFill>
@@ -4156,7 +4360,7 @@
               <a:t>最</a:t>
             </a:r>
             <a:r>
-              <a:rPr lang="zh-TW" altLang="en-US" sz="5000" b="1" dirty="0" smtClean="0">
+              <a:rPr lang="zh-TW" altLang="en-US" sz="4800" b="1" dirty="0" smtClean="0">
                 <a:solidFill>
                   <a:srgbClr val="002060"/>
                 </a:solidFill>
@@ -4165,7 +4369,7 @@
               </a:rPr>
               <a:t>要緊</a:t>
             </a:r>
-            <a:endParaRPr lang="en-US" altLang="zh-TW" sz="5000" b="1" dirty="0" smtClean="0">
+            <a:endParaRPr lang="en-US" altLang="zh-TW" sz="4800" b="1" dirty="0" smtClean="0">
               <a:solidFill>
                 <a:srgbClr val="002060"/>
               </a:solidFill>
@@ -4178,7 +4382,7 @@
               <a:buNone/>
             </a:pPr>
             <a:r>
-              <a:rPr lang="zh-TW" altLang="en-US" sz="5000" b="1" dirty="0" smtClean="0">
+              <a:rPr lang="zh-TW" altLang="en-US" sz="4800" b="1" dirty="0" smtClean="0">
                 <a:solidFill>
                   <a:srgbClr val="002060"/>
                 </a:solidFill>
@@ -4188,7 +4392,7 @@
               <a:t>信心</a:t>
             </a:r>
             <a:r>
-              <a:rPr lang="zh-TW" altLang="en-US" sz="5000" b="1" dirty="0">
+              <a:rPr lang="zh-TW" altLang="en-US" sz="4800" b="1" dirty="0">
                 <a:solidFill>
                   <a:srgbClr val="002060"/>
                 </a:solidFill>
@@ -4198,7 +4402,7 @@
               <a:t>能除 </a:t>
             </a:r>
             <a:r>
-              <a:rPr lang="zh-TW" altLang="en-US" sz="5000" b="1" dirty="0" smtClean="0">
+              <a:rPr lang="zh-TW" altLang="en-US" sz="4800" b="1" dirty="0" smtClean="0">
                 <a:solidFill>
                   <a:srgbClr val="002060"/>
                 </a:solidFill>
@@ -4208,7 +4412,7 @@
               <a:t> 憂愁</a:t>
             </a:r>
             <a:r>
-              <a:rPr lang="zh-TW" altLang="en-US" sz="5000" b="1" dirty="0">
+              <a:rPr lang="zh-TW" altLang="en-US" sz="4800" b="1" dirty="0">
                 <a:solidFill>
                   <a:srgbClr val="002060"/>
                 </a:solidFill>
@@ -4223,7 +4427,7 @@
               <a:buNone/>
             </a:pPr>
             <a:r>
-              <a:rPr lang="zh-TW" altLang="en-US" sz="5000" b="1">
+              <a:rPr lang="zh-TW" altLang="en-US" sz="4800" b="1" dirty="0">
                 <a:solidFill>
                   <a:srgbClr val="002060"/>
                 </a:solidFill>
@@ -4233,7 +4437,7 @@
               <a:t>不住</a:t>
             </a:r>
             <a:r>
-              <a:rPr lang="zh-TW" altLang="en-US" sz="5000" b="1" smtClean="0">
+              <a:rPr lang="zh-TW" altLang="en-US" sz="4800" b="1" dirty="0" smtClean="0">
                 <a:solidFill>
                   <a:srgbClr val="002060"/>
                 </a:solidFill>
@@ -4243,7 +4447,7 @@
               <a:t>祈禱  </a:t>
             </a:r>
             <a:r>
-              <a:rPr lang="zh-TW" altLang="en-US" sz="5000" b="1" dirty="0">
+              <a:rPr lang="zh-TW" altLang="en-US" sz="4800" b="1" dirty="0">
                 <a:solidFill>
                   <a:srgbClr val="002060"/>
                 </a:solidFill>
@@ -4252,6 +4456,52 @@
               </a:rPr>
               <a:t>主必答應</a:t>
             </a:r>
+          </a:p>
+        </p:txBody>
+      </p:sp>
+      <p:sp>
+        <p:nvSpPr>
+          <p:cNvPr id="6" name="文字方塊 5"/>
+          <p:cNvSpPr txBox="1"/>
+          <p:nvPr/>
+        </p:nvSpPr>
+        <p:spPr>
+          <a:xfrm>
+            <a:off x="642910" y="1285866"/>
+            <a:ext cx="642942" cy="830997"/>
+          </a:xfrm>
+          <a:prstGeom prst="rect">
+            <a:avLst/>
+          </a:prstGeom>
+          <a:noFill/>
+        </p:spPr>
+        <p:txBody>
+          <a:bodyPr wrap="square" rtlCol="0">
+            <a:spAutoFit/>
+          </a:bodyPr>
+          <a:lstStyle/>
+          <a:p>
+            <a:r>
+              <a:rPr lang="en-US" altLang="zh-TW" sz="4800" b="1" dirty="0" smtClean="0">
+                <a:solidFill>
+                  <a:srgbClr val="002060"/>
+                </a:solidFill>
+              </a:rPr>
+              <a:t>5</a:t>
+            </a:r>
+            <a:r>
+              <a:rPr lang="en-US" altLang="zh-TW" sz="4800" b="1" dirty="0" smtClean="0">
+                <a:solidFill>
+                  <a:srgbClr val="002060"/>
+                </a:solidFill>
+              </a:rPr>
+              <a:t>.</a:t>
+            </a:r>
+            <a:endParaRPr lang="zh-TW" altLang="en-US" sz="4800" b="1" dirty="0">
+              <a:solidFill>
+                <a:srgbClr val="002060"/>
+              </a:solidFill>
+            </a:endParaRPr>
           </a:p>
         </p:txBody>
       </p:sp>
@@ -4260,6 +4510,13 @@
   <p:clrMapOvr>
     <a:masterClrMapping/>
   </p:clrMapOvr>
+  <p:timing>
+    <p:tnLst>
+      <p:par>
+        <p:cTn id="1" dur="indefinite" restart="never" nodeType="tmRoot"/>
+      </p:par>
+    </p:tnLst>
+  </p:timing>
 </p:sld>
 </file>
 

--- a/宣道詩/(宣道詩136)不住祈禱.pptx
+++ b/宣道詩/(宣道詩136)不住祈禱.pptx
@@ -5,11 +5,17 @@
     <p:sldMasterId id="2147483684" r:id="rId1"/>
   </p:sldMasterIdLst>
   <p:sldIdLst>
-    <p:sldId id="256" r:id="rId2"/>
-    <p:sldId id="257" r:id="rId3"/>
-    <p:sldId id="258" r:id="rId4"/>
-    <p:sldId id="259" r:id="rId5"/>
-    <p:sldId id="260" r:id="rId6"/>
+    <p:sldId id="261" r:id="rId2"/>
+    <p:sldId id="262" r:id="rId3"/>
+    <p:sldId id="263" r:id="rId4"/>
+    <p:sldId id="264" r:id="rId5"/>
+    <p:sldId id="265" r:id="rId6"/>
+    <p:sldId id="266" r:id="rId7"/>
+    <p:sldId id="267" r:id="rId8"/>
+    <p:sldId id="268" r:id="rId9"/>
+    <p:sldId id="269" r:id="rId10"/>
+    <p:sldId id="270" r:id="rId11"/>
+    <p:sldId id="271" r:id="rId12"/>
   </p:sldIdLst>
   <p:sldSz cx="9144000" cy="5143500" type="screen16x9"/>
   <p:notesSz cx="6858000" cy="9144000"/>
@@ -108,6 +114,22 @@
       </a:defRPr>
     </a:lvl9pPr>
   </p:defaultTextStyle>
+  <p:extLst>
+    <p:ext uri="{EFAFB233-063F-42B5-8137-9DF3F51BA10A}">
+      <p15:sldGuideLst xmlns:p15="http://schemas.microsoft.com/office/powerpoint/2012/main">
+        <p15:guide id="1" orient="horz" pos="1620">
+          <p15:clr>
+            <a:srgbClr val="A4A3A4"/>
+          </p15:clr>
+        </p15:guide>
+        <p15:guide id="2" pos="2880">
+          <p15:clr>
+            <a:srgbClr val="A4A3A4"/>
+          </p15:clr>
+        </p15:guide>
+      </p15:sldGuideLst>
+    </p:ext>
+  </p:extLst>
 </p:presentation>
 </file>
 
@@ -293,7 +315,7 @@
             <a:fld id="{C9A14FE6-5E61-4C09-9A2C-572FBBFAD6A9}" type="datetimeFigureOut">
               <a:rPr lang="zh-TW" altLang="en-US" smtClean="0"/>
               <a:pPr/>
-              <a:t>2020/9/17</a:t>
+              <a:t>2021/7/20</a:t>
             </a:fld>
             <a:endParaRPr lang="zh-TW" altLang="en-US"/>
           </a:p>
@@ -460,7 +482,7 @@
             <a:fld id="{C9A14FE6-5E61-4C09-9A2C-572FBBFAD6A9}" type="datetimeFigureOut">
               <a:rPr lang="zh-TW" altLang="en-US" smtClean="0"/>
               <a:pPr/>
-              <a:t>2020/9/17</a:t>
+              <a:t>2021/7/20</a:t>
             </a:fld>
             <a:endParaRPr lang="zh-TW" altLang="en-US"/>
           </a:p>
@@ -637,7 +659,7 @@
             <a:fld id="{C9A14FE6-5E61-4C09-9A2C-572FBBFAD6A9}" type="datetimeFigureOut">
               <a:rPr lang="zh-TW" altLang="en-US" smtClean="0"/>
               <a:pPr/>
-              <a:t>2020/9/17</a:t>
+              <a:t>2021/7/20</a:t>
             </a:fld>
             <a:endParaRPr lang="zh-TW" altLang="en-US"/>
           </a:p>
@@ -804,7 +826,7 @@
             <a:fld id="{C9A14FE6-5E61-4C09-9A2C-572FBBFAD6A9}" type="datetimeFigureOut">
               <a:rPr lang="zh-TW" altLang="en-US" smtClean="0"/>
               <a:pPr/>
-              <a:t>2020/9/17</a:t>
+              <a:t>2021/7/20</a:t>
             </a:fld>
             <a:endParaRPr lang="zh-TW" altLang="en-US"/>
           </a:p>
@@ -1047,7 +1069,7 @@
             <a:fld id="{C9A14FE6-5E61-4C09-9A2C-572FBBFAD6A9}" type="datetimeFigureOut">
               <a:rPr lang="zh-TW" altLang="en-US" smtClean="0"/>
               <a:pPr/>
-              <a:t>2020/9/17</a:t>
+              <a:t>2021/7/20</a:t>
             </a:fld>
             <a:endParaRPr lang="zh-TW" altLang="en-US"/>
           </a:p>
@@ -1332,7 +1354,7 @@
             <a:fld id="{C9A14FE6-5E61-4C09-9A2C-572FBBFAD6A9}" type="datetimeFigureOut">
               <a:rPr lang="zh-TW" altLang="en-US" smtClean="0"/>
               <a:pPr/>
-              <a:t>2020/9/17</a:t>
+              <a:t>2021/7/20</a:t>
             </a:fld>
             <a:endParaRPr lang="zh-TW" altLang="en-US"/>
           </a:p>
@@ -1751,7 +1773,7 @@
             <a:fld id="{C9A14FE6-5E61-4C09-9A2C-572FBBFAD6A9}" type="datetimeFigureOut">
               <a:rPr lang="zh-TW" altLang="en-US" smtClean="0"/>
               <a:pPr/>
-              <a:t>2020/9/17</a:t>
+              <a:t>2021/7/20</a:t>
             </a:fld>
             <a:endParaRPr lang="zh-TW" altLang="en-US"/>
           </a:p>
@@ -1866,7 +1888,7 @@
             <a:fld id="{C9A14FE6-5E61-4C09-9A2C-572FBBFAD6A9}" type="datetimeFigureOut">
               <a:rPr lang="zh-TW" altLang="en-US" smtClean="0"/>
               <a:pPr/>
-              <a:t>2020/9/17</a:t>
+              <a:t>2021/7/20</a:t>
             </a:fld>
             <a:endParaRPr lang="zh-TW" altLang="en-US"/>
           </a:p>
@@ -1958,7 +1980,7 @@
             <a:fld id="{C9A14FE6-5E61-4C09-9A2C-572FBBFAD6A9}" type="datetimeFigureOut">
               <a:rPr lang="zh-TW" altLang="en-US" smtClean="0"/>
               <a:pPr/>
-              <a:t>2020/9/17</a:t>
+              <a:t>2021/7/20</a:t>
             </a:fld>
             <a:endParaRPr lang="zh-TW" altLang="en-US"/>
           </a:p>
@@ -2232,7 +2254,7 @@
             <a:fld id="{C9A14FE6-5E61-4C09-9A2C-572FBBFAD6A9}" type="datetimeFigureOut">
               <a:rPr lang="zh-TW" altLang="en-US" smtClean="0"/>
               <a:pPr/>
-              <a:t>2020/9/17</a:t>
+              <a:t>2021/7/20</a:t>
             </a:fld>
             <a:endParaRPr lang="zh-TW" altLang="en-US"/>
           </a:p>
@@ -2486,7 +2508,7 @@
             <a:fld id="{C9A14FE6-5E61-4C09-9A2C-572FBBFAD6A9}" type="datetimeFigureOut">
               <a:rPr lang="zh-TW" altLang="en-US" smtClean="0"/>
               <a:pPr/>
-              <a:t>2020/9/17</a:t>
+              <a:t>2021/7/20</a:t>
             </a:fld>
             <a:endParaRPr lang="zh-TW" altLang="en-US"/>
           </a:p>
@@ -2701,7 +2723,7 @@
             <a:fld id="{C9A14FE6-5E61-4C09-9A2C-572FBBFAD6A9}" type="datetimeFigureOut">
               <a:rPr lang="zh-TW" altLang="en-US" smtClean="0"/>
               <a:pPr/>
-              <a:t>2020/9/17</a:t>
+              <a:t>2021/7/20</a:t>
             </a:fld>
             <a:endParaRPr lang="zh-TW" altLang="en-US"/>
           </a:p>
@@ -3082,221 +3104,229 @@
             <p:ph type="title"/>
           </p:nvPr>
         </p:nvSpPr>
-        <p:spPr/>
-        <p:txBody>
-          <a:bodyPr>
-            <a:normAutofit/>
-          </a:bodyPr>
-          <a:lstStyle/>
-          <a:p>
-            <a:r>
-              <a:rPr lang="zh-TW" altLang="en-US" b="1" dirty="0">
-                <a:solidFill>
-                  <a:srgbClr val="002060"/>
-                </a:solidFill>
-                <a:latin typeface="微軟正黑體" pitchFamily="34" charset="-120"/>
-                <a:ea typeface="微軟正黑體" pitchFamily="34" charset="-120"/>
-              </a:rPr>
-              <a:t>不住祈禱</a:t>
-            </a:r>
-          </a:p>
-        </p:txBody>
-      </p:sp>
-      <p:sp>
-        <p:nvSpPr>
-          <p:cNvPr id="5" name="內容版面配置區 4"/>
-          <p:cNvSpPr>
-            <a:spLocks noGrp="1"/>
-          </p:cNvSpPr>
-          <p:nvPr>
-            <p:ph idx="1"/>
-          </p:nvPr>
-        </p:nvSpPr>
-        <p:spPr/>
+        <p:spPr>
+          <a:xfrm>
+            <a:off x="0" y="1995686"/>
+            <a:ext cx="9144000" cy="857250"/>
+          </a:xfrm>
+        </p:spPr>
         <p:txBody>
           <a:bodyPr>
             <a:noAutofit/>
           </a:bodyPr>
           <a:lstStyle/>
           <a:p>
-            <a:pPr algn="ctr">
-              <a:buNone/>
-            </a:pPr>
-            <a:r>
-              <a:rPr lang="zh-TW" altLang="en-US" sz="4800" b="1" dirty="0">
-                <a:solidFill>
-                  <a:srgbClr val="002060"/>
-                </a:solidFill>
+            <a:r>
+              <a:rPr lang="zh-CN" altLang="en-US" sz="4000" b="1" u="sng" dirty="0">
+                <a:solidFill>
+                  <a:srgbClr val="000066"/>
+                </a:solidFill>
+                <a:effectLst>
+                  <a:outerShdw blurRad="38100" dist="38100" dir="2700000" algn="tl">
+                    <a:srgbClr val="000000">
+                      <a:alpha val="43137"/>
+                    </a:srgbClr>
+                  </a:outerShdw>
+                </a:effectLst>
                 <a:latin typeface="微軟正黑體" pitchFamily="34" charset="-120"/>
                 <a:ea typeface="微軟正黑體" pitchFamily="34" charset="-120"/>
               </a:rPr>
-              <a:t>不住祈禱 </a:t>
-            </a:r>
-            <a:r>
-              <a:rPr lang="zh-TW" altLang="en-US" sz="4800" b="1" dirty="0" smtClean="0">
-                <a:solidFill>
-                  <a:srgbClr val="002060"/>
-                </a:solidFill>
+              <a:t>宣道詩 </a:t>
+            </a:r>
+            <a:r>
+              <a:rPr lang="en-US" altLang="zh-CN" sz="4000" b="1" u="sng" dirty="0" smtClean="0">
+                <a:solidFill>
+                  <a:srgbClr val="000066"/>
+                </a:solidFill>
+                <a:effectLst>
+                  <a:outerShdw blurRad="38100" dist="38100" dir="2700000" algn="tl">
+                    <a:srgbClr val="000000">
+                      <a:alpha val="43137"/>
+                    </a:srgbClr>
+                  </a:outerShdw>
+                </a:effectLst>
                 <a:latin typeface="微軟正黑體" pitchFamily="34" charset="-120"/>
                 <a:ea typeface="微軟正黑體" pitchFamily="34" charset="-120"/>
               </a:rPr>
-              <a:t> 因</a:t>
-            </a:r>
-            <a:r>
-              <a:rPr lang="zh-TW" altLang="en-US" sz="4800" b="1" dirty="0">
-                <a:solidFill>
-                  <a:srgbClr val="002060"/>
-                </a:solidFill>
+              <a:t>136</a:t>
+            </a:r>
+            <a:r>
+              <a:rPr lang="en-US" altLang="zh-CN" sz="5400" b="1" i="1" dirty="0">
+                <a:solidFill>
+                  <a:srgbClr val="660033"/>
+                </a:solidFill>
+                <a:effectLst>
+                  <a:outerShdw blurRad="38100" dist="38100" dir="2700000" algn="tl">
+                    <a:srgbClr val="000000">
+                      <a:alpha val="43137"/>
+                    </a:srgbClr>
+                  </a:outerShdw>
+                </a:effectLst>
                 <a:latin typeface="微軟正黑體" pitchFamily="34" charset="-120"/>
                 <a:ea typeface="微軟正黑體" pitchFamily="34" charset="-120"/>
               </a:rPr>
-              <a:t>主是近</a:t>
-            </a:r>
-          </a:p>
-          <a:p>
-            <a:pPr algn="ctr">
-              <a:buNone/>
-            </a:pPr>
-            <a:r>
-              <a:rPr lang="zh-TW" altLang="en-US" sz="4800" b="1" dirty="0">
-                <a:solidFill>
-                  <a:srgbClr val="002060"/>
-                </a:solidFill>
+              <a:t/>
+            </a:r>
+            <a:br>
+              <a:rPr lang="en-US" altLang="zh-CN" sz="5400" b="1" i="1" dirty="0">
+                <a:solidFill>
+                  <a:srgbClr val="660033"/>
+                </a:solidFill>
+                <a:effectLst>
+                  <a:outerShdw blurRad="38100" dist="38100" dir="2700000" algn="tl">
+                    <a:srgbClr val="000000">
+                      <a:alpha val="43137"/>
+                    </a:srgbClr>
+                  </a:outerShdw>
+                </a:effectLst>
                 <a:latin typeface="微軟正黑體" pitchFamily="34" charset="-120"/>
                 <a:ea typeface="微軟正黑體" pitchFamily="34" charset="-120"/>
               </a:rPr>
-              <a:t>不住祈禱 </a:t>
-            </a:r>
-            <a:r>
-              <a:rPr lang="zh-TW" altLang="en-US" sz="4800" b="1" dirty="0" smtClean="0">
-                <a:solidFill>
-                  <a:srgbClr val="002060"/>
-                </a:solidFill>
+            </a:br>
+            <a:r>
+              <a:rPr lang="zh-TW" altLang="en-US" sz="6000" b="1" dirty="0" smtClean="0">
+                <a:solidFill>
+                  <a:srgbClr val="660033"/>
+                </a:solidFill>
+                <a:effectLst>
+                  <a:outerShdw blurRad="38100" dist="38100" dir="2700000" algn="tl">
+                    <a:srgbClr val="000000">
+                      <a:alpha val="43137"/>
+                    </a:srgbClr>
+                  </a:outerShdw>
+                </a:effectLst>
                 <a:latin typeface="微軟正黑體" pitchFamily="34" charset="-120"/>
                 <a:ea typeface="微軟正黑體" pitchFamily="34" charset="-120"/>
               </a:rPr>
-              <a:t> 主</a:t>
-            </a:r>
-            <a:r>
-              <a:rPr lang="zh-TW" altLang="en-US" sz="4800" b="1" dirty="0">
-                <a:solidFill>
-                  <a:srgbClr val="002060"/>
-                </a:solidFill>
+              <a:t>不</a:t>
+            </a:r>
+            <a:r>
+              <a:rPr lang="zh-TW" altLang="en-US" sz="6000" b="1" dirty="0">
+                <a:solidFill>
+                  <a:srgbClr val="660033"/>
+                </a:solidFill>
+                <a:effectLst>
+                  <a:outerShdw blurRad="38100" dist="38100" dir="2700000" algn="tl">
+                    <a:srgbClr val="000000">
+                      <a:alpha val="43137"/>
+                    </a:srgbClr>
+                  </a:outerShdw>
+                </a:effectLst>
                 <a:latin typeface="微軟正黑體" pitchFamily="34" charset="-120"/>
                 <a:ea typeface="微軟正黑體" pitchFamily="34" charset="-120"/>
               </a:rPr>
-              <a:t>全要</a:t>
-            </a:r>
-            <a:r>
-              <a:rPr lang="zh-TW" altLang="en-US" sz="4800" b="1" dirty="0" smtClean="0">
-                <a:solidFill>
-                  <a:srgbClr val="002060"/>
+              <a:t>住祈禱</a:t>
+            </a:r>
+          </a:p>
+        </p:txBody>
+      </p:sp>
+    </p:spTree>
+    <p:extLst>
+      <p:ext uri="{BB962C8B-B14F-4D97-AF65-F5344CB8AC3E}">
+        <p14:creationId xmlns:p14="http://schemas.microsoft.com/office/powerpoint/2010/main" val="2838902719"/>
+      </p:ext>
+    </p:extLst>
+  </p:cSld>
+  <p:clrMapOvr>
+    <a:masterClrMapping/>
+  </p:clrMapOvr>
+  <p:timing>
+    <p:tnLst>
+      <p:par>
+        <p:cTn id="1" dur="indefinite" restart="never" nodeType="tmRoot"/>
+      </p:par>
+    </p:tnLst>
+  </p:timing>
+</p:sld>
+</file>
+
+<file path=ppt/slides/slide10.xml><?xml version="1.0" encoding="utf-8"?>
+<p:sld xmlns:a="http://schemas.openxmlformats.org/drawingml/2006/main" xmlns:r="http://schemas.openxmlformats.org/officeDocument/2006/relationships" xmlns:p="http://schemas.openxmlformats.org/presentationml/2006/main">
+  <p:cSld>
+    <p:spTree>
+      <p:nvGrpSpPr>
+        <p:cNvPr id="1" name=""/>
+        <p:cNvGrpSpPr/>
+        <p:nvPr/>
+      </p:nvGrpSpPr>
+      <p:grpSpPr>
+        <a:xfrm>
+          <a:off x="0" y="0"/>
+          <a:ext cx="0" cy="0"/>
+          <a:chOff x="0" y="0"/>
+          <a:chExt cx="0" cy="0"/>
+        </a:xfrm>
+      </p:grpSpPr>
+      <p:sp>
+        <p:nvSpPr>
+          <p:cNvPr id="5" name="內容版面配置區 4"/>
+          <p:cNvSpPr>
+            <a:spLocks noGrp="1"/>
+          </p:cNvSpPr>
+          <p:nvPr>
+            <p:ph idx="1"/>
+          </p:nvPr>
+        </p:nvSpPr>
+        <p:spPr>
+          <a:xfrm>
+            <a:off x="0" y="1563639"/>
+            <a:ext cx="9144000" cy="1803647"/>
+          </a:xfrm>
+        </p:spPr>
+        <p:txBody>
+          <a:bodyPr anchor="ctr">
+            <a:normAutofit/>
+          </a:bodyPr>
+          <a:lstStyle/>
+          <a:p>
+            <a:pPr algn="ctr">
+              <a:buNone/>
+            </a:pPr>
+            <a:r>
+              <a:rPr lang="zh-TW" altLang="en-US" sz="4800" b="1" dirty="0">
+                <a:solidFill>
+                  <a:srgbClr val="660033"/>
                 </a:solidFill>
                 <a:latin typeface="微軟正黑體" pitchFamily="34" charset="-120"/>
                 <a:ea typeface="微軟正黑體" pitchFamily="34" charset="-120"/>
               </a:rPr>
-              <a:t>聽</a:t>
-            </a:r>
-            <a:endParaRPr lang="en-US" altLang="zh-TW" sz="4800" b="1" dirty="0" smtClean="0">
+              <a:t>不住祈禱  當有信心</a:t>
+            </a:r>
+          </a:p>
+          <a:p>
+            <a:pPr algn="ctr">
+              <a:buNone/>
+            </a:pPr>
+            <a:r>
+              <a:rPr lang="zh-TW" altLang="en-US" sz="4800" b="1" dirty="0">
+                <a:solidFill>
+                  <a:srgbClr val="660033"/>
+                </a:solidFill>
+                <a:latin typeface="微軟正黑體" pitchFamily="34" charset="-120"/>
+                <a:ea typeface="微軟正黑體" pitchFamily="34" charset="-120"/>
+              </a:rPr>
+              <a:t>不住祈禱  是最要緊</a:t>
+            </a:r>
+            <a:endParaRPr lang="en-US" altLang="zh-TW" sz="4800" b="1" dirty="0">
               <a:solidFill>
-                <a:srgbClr val="002060"/>
+                <a:srgbClr val="660033"/>
               </a:solidFill>
               <a:latin typeface="微軟正黑體" pitchFamily="34" charset="-120"/>
               <a:ea typeface="微軟正黑體" pitchFamily="34" charset="-120"/>
             </a:endParaRPr>
           </a:p>
-          <a:p>
-            <a:pPr algn="ctr">
-              <a:buNone/>
-            </a:pPr>
-            <a:r>
-              <a:rPr lang="zh-TW" altLang="en-US" sz="4800" b="1" dirty="0" smtClean="0">
-                <a:solidFill>
-                  <a:srgbClr val="002060"/>
-                </a:solidFill>
-                <a:latin typeface="微軟正黑體" pitchFamily="34" charset="-120"/>
-                <a:ea typeface="微軟正黑體" pitchFamily="34" charset="-120"/>
-              </a:rPr>
-              <a:t>真神</a:t>
-            </a:r>
-            <a:r>
-              <a:rPr lang="zh-TW" altLang="en-US" sz="4800" b="1" dirty="0">
-                <a:solidFill>
-                  <a:srgbClr val="002060"/>
-                </a:solidFill>
-                <a:latin typeface="微軟正黑體" pitchFamily="34" charset="-120"/>
-                <a:ea typeface="微軟正黑體" pitchFamily="34" charset="-120"/>
-              </a:rPr>
-              <a:t>已許 </a:t>
-            </a:r>
-            <a:r>
-              <a:rPr lang="zh-TW" altLang="en-US" sz="4800" b="1" dirty="0" smtClean="0">
-                <a:solidFill>
-                  <a:srgbClr val="002060"/>
-                </a:solidFill>
-                <a:latin typeface="微軟正黑體" pitchFamily="34" charset="-120"/>
-                <a:ea typeface="微軟正黑體" pitchFamily="34" charset="-120"/>
-              </a:rPr>
-              <a:t> 決不</a:t>
-            </a:r>
-            <a:r>
-              <a:rPr lang="zh-TW" altLang="en-US" sz="4800" b="1" dirty="0">
-                <a:solidFill>
-                  <a:srgbClr val="002060"/>
-                </a:solidFill>
-                <a:latin typeface="微軟正黑體" pitchFamily="34" charset="-120"/>
-                <a:ea typeface="微軟正黑體" pitchFamily="34" charset="-120"/>
-              </a:rPr>
-              <a:t>失信</a:t>
-            </a:r>
-          </a:p>
-          <a:p>
-            <a:pPr algn="ctr">
-              <a:buNone/>
-            </a:pPr>
-            <a:r>
-              <a:rPr lang="zh-TW" altLang="en-US" sz="4800" b="1" dirty="0">
-                <a:solidFill>
-                  <a:srgbClr val="002060"/>
-                </a:solidFill>
-                <a:latin typeface="微軟正黑體" pitchFamily="34" charset="-120"/>
-                <a:ea typeface="微軟正黑體" pitchFamily="34" charset="-120"/>
-              </a:rPr>
-              <a:t>不住祈禱 </a:t>
-            </a:r>
-            <a:r>
-              <a:rPr lang="zh-TW" altLang="en-US" sz="4800" b="1" dirty="0" smtClean="0">
-                <a:solidFill>
-                  <a:srgbClr val="002060"/>
-                </a:solidFill>
-                <a:latin typeface="微軟正黑體" pitchFamily="34" charset="-120"/>
-                <a:ea typeface="微軟正黑體" pitchFamily="34" charset="-120"/>
-              </a:rPr>
-              <a:t> 主</a:t>
-            </a:r>
-            <a:r>
-              <a:rPr lang="zh-TW" altLang="en-US" sz="4800" b="1" dirty="0">
-                <a:solidFill>
-                  <a:srgbClr val="002060"/>
-                </a:solidFill>
-                <a:latin typeface="微軟正黑體" pitchFamily="34" charset="-120"/>
-                <a:ea typeface="微軟正黑體" pitchFamily="34" charset="-120"/>
-              </a:rPr>
-              <a:t>必應允</a:t>
-            </a:r>
-          </a:p>
-        </p:txBody>
-      </p:sp>
-      <p:sp>
-        <p:nvSpPr>
-          <p:cNvPr id="6" name="文字方塊 5"/>
+        </p:txBody>
+      </p:sp>
+      <p:sp>
+        <p:nvSpPr>
+          <p:cNvPr id="3" name="TextBox 2"/>
           <p:cNvSpPr txBox="1"/>
           <p:nvPr/>
         </p:nvSpPr>
         <p:spPr>
           <a:xfrm>
-            <a:off x="642910" y="1285866"/>
-            <a:ext cx="642942" cy="830997"/>
+            <a:off x="0" y="3803914"/>
+            <a:ext cx="9144000" cy="646331"/>
           </a:xfrm>
           <a:prstGeom prst="rect">
             <a:avLst/>
@@ -3309,23 +3339,205 @@
           </a:bodyPr>
           <a:lstStyle/>
           <a:p>
-            <a:r>
-              <a:rPr lang="en-US" altLang="zh-TW" sz="4800" b="1" dirty="0" smtClean="0">
-                <a:solidFill>
-                  <a:srgbClr val="002060"/>
-                </a:solidFill>
-              </a:rPr>
-              <a:t>1.</a:t>
+            <a:pPr algn="ctr"/>
+            <a:r>
+              <a:rPr lang="en-US" sz="3600" b="1" dirty="0">
+                <a:solidFill>
+                  <a:srgbClr val="660033"/>
+                </a:solidFill>
+                <a:effectLst/>
+              </a:rPr>
+              <a:t>( </a:t>
+            </a:r>
+            <a:r>
+              <a:rPr lang="en-US" sz="3600" b="1" dirty="0" smtClean="0">
+                <a:solidFill>
+                  <a:srgbClr val="660033"/>
+                </a:solidFill>
+                <a:effectLst/>
+              </a:rPr>
+              <a:t>5 </a:t>
+            </a:r>
+            <a:r>
+              <a:rPr lang="en-US" sz="3600" b="1" dirty="0">
+                <a:solidFill>
+                  <a:srgbClr val="660033"/>
+                </a:solidFill>
+                <a:effectLst/>
+              </a:rPr>
+              <a:t>)</a:t>
+            </a:r>
+            <a:endParaRPr lang="vi-VN" sz="3600" b="1" dirty="0">
+              <a:solidFill>
+                <a:srgbClr val="660033"/>
+              </a:solidFill>
+              <a:effectLst/>
+            </a:endParaRPr>
+          </a:p>
+        </p:txBody>
+      </p:sp>
+    </p:spTree>
+    <p:extLst>
+      <p:ext uri="{BB962C8B-B14F-4D97-AF65-F5344CB8AC3E}">
+        <p14:creationId xmlns:p14="http://schemas.microsoft.com/office/powerpoint/2010/main" val="2802002476"/>
+      </p:ext>
+    </p:extLst>
+  </p:cSld>
+  <p:clrMapOvr>
+    <a:masterClrMapping/>
+  </p:clrMapOvr>
+  <p:timing>
+    <p:tnLst>
+      <p:par>
+        <p:cTn id="1" dur="indefinite" restart="never" nodeType="tmRoot"/>
+      </p:par>
+    </p:tnLst>
+  </p:timing>
+</p:sld>
+</file>
+
+<file path=ppt/slides/slide11.xml><?xml version="1.0" encoding="utf-8"?>
+<p:sld xmlns:a="http://schemas.openxmlformats.org/drawingml/2006/main" xmlns:r="http://schemas.openxmlformats.org/officeDocument/2006/relationships" xmlns:p="http://schemas.openxmlformats.org/presentationml/2006/main">
+  <p:cSld>
+    <p:spTree>
+      <p:nvGrpSpPr>
+        <p:cNvPr id="1" name=""/>
+        <p:cNvGrpSpPr/>
+        <p:nvPr/>
+      </p:nvGrpSpPr>
+      <p:grpSpPr>
+        <a:xfrm>
+          <a:off x="0" y="0"/>
+          <a:ext cx="0" cy="0"/>
+          <a:chOff x="0" y="0"/>
+          <a:chExt cx="0" cy="0"/>
+        </a:xfrm>
+      </p:grpSpPr>
+      <p:sp>
+        <p:nvSpPr>
+          <p:cNvPr id="5" name="內容版面配置區 4"/>
+          <p:cNvSpPr>
+            <a:spLocks noGrp="1"/>
+          </p:cNvSpPr>
+          <p:nvPr>
+            <p:ph idx="1"/>
+          </p:nvPr>
+        </p:nvSpPr>
+        <p:spPr>
+          <a:xfrm>
+            <a:off x="0" y="1563639"/>
+            <a:ext cx="9144000" cy="1803647"/>
+          </a:xfrm>
+        </p:spPr>
+        <p:txBody>
+          <a:bodyPr anchor="ctr">
+            <a:normAutofit/>
+          </a:bodyPr>
+          <a:lstStyle/>
+          <a:p>
+            <a:pPr algn="ctr">
+              <a:buNone/>
+            </a:pPr>
+            <a:r>
+              <a:rPr lang="zh-TW" altLang="en-US" sz="4800" b="1" dirty="0">
+                <a:solidFill>
+                  <a:srgbClr val="660033"/>
+                </a:solidFill>
+                <a:latin typeface="微軟正黑體" pitchFamily="34" charset="-120"/>
+                <a:ea typeface="微軟正黑體" pitchFamily="34" charset="-120"/>
+              </a:rPr>
+              <a:t>信心能除  憂愁傷心</a:t>
+            </a:r>
+          </a:p>
+          <a:p>
+            <a:pPr algn="ctr">
+              <a:buNone/>
+            </a:pPr>
+            <a:r>
+              <a:rPr lang="zh-TW" altLang="en-US" sz="4800" b="1" dirty="0">
+                <a:solidFill>
+                  <a:srgbClr val="660033"/>
+                </a:solidFill>
+                <a:latin typeface="微軟正黑體" pitchFamily="34" charset="-120"/>
+                <a:ea typeface="微軟正黑體" pitchFamily="34" charset="-120"/>
+              </a:rPr>
+              <a:t>不住祈禱  主必答應</a:t>
             </a:r>
             <a:endParaRPr lang="zh-TW" altLang="en-US" sz="4800" b="1" dirty="0">
               <a:solidFill>
-                <a:srgbClr val="002060"/>
+                <a:srgbClr val="660033"/>
               </a:solidFill>
+              <a:latin typeface="微軟正黑體" pitchFamily="34" charset="-120"/>
+              <a:ea typeface="微軟正黑體" pitchFamily="34" charset="-120"/>
             </a:endParaRPr>
           </a:p>
         </p:txBody>
       </p:sp>
+      <p:sp>
+        <p:nvSpPr>
+          <p:cNvPr id="3" name="TextBox 2"/>
+          <p:cNvSpPr txBox="1"/>
+          <p:nvPr/>
+        </p:nvSpPr>
+        <p:spPr>
+          <a:xfrm>
+            <a:off x="0" y="3803914"/>
+            <a:ext cx="9144000" cy="646331"/>
+          </a:xfrm>
+          <a:prstGeom prst="rect">
+            <a:avLst/>
+          </a:prstGeom>
+          <a:noFill/>
+        </p:spPr>
+        <p:txBody>
+          <a:bodyPr wrap="square" rtlCol="0">
+            <a:spAutoFit/>
+          </a:bodyPr>
+          <a:lstStyle/>
+          <a:p>
+            <a:pPr algn="ctr"/>
+            <a:r>
+              <a:rPr lang="en-US" sz="3600" b="1" dirty="0">
+                <a:solidFill>
+                  <a:srgbClr val="660033"/>
+                </a:solidFill>
+                <a:effectLst/>
+              </a:rPr>
+              <a:t>( </a:t>
+            </a:r>
+            <a:r>
+              <a:rPr lang="en-US" sz="3600" b="1" dirty="0" smtClean="0">
+                <a:solidFill>
+                  <a:srgbClr val="660033"/>
+                </a:solidFill>
+                <a:effectLst/>
+              </a:rPr>
+              <a:t>5 </a:t>
+            </a:r>
+            <a:r>
+              <a:rPr lang="en-US" sz="3600" b="1" dirty="0">
+                <a:solidFill>
+                  <a:srgbClr val="660033"/>
+                </a:solidFill>
+                <a:effectLst/>
+              </a:rPr>
+              <a:t>)</a:t>
+            </a:r>
+            <a:endParaRPr lang="vi-VN" sz="3600" b="1" dirty="0">
+              <a:solidFill>
+                <a:srgbClr val="660033"/>
+              </a:solidFill>
+              <a:effectLst/>
+            </a:endParaRPr>
+          </a:p>
+        </p:txBody>
+      </p:sp>
     </p:spTree>
+    <p:extLst>
+      <p:ext uri="{BB962C8B-B14F-4D97-AF65-F5344CB8AC3E}">
+        <p14:creationId xmlns:p14="http://schemas.microsoft.com/office/powerpoint/2010/main" val="850470892"/>
+      </p:ext>
+    </p:extLst>
   </p:cSld>
   <p:clrMapOvr>
     <a:masterClrMapping/>
@@ -3359,34 +3571,6 @@
       </p:grpSpPr>
       <p:sp>
         <p:nvSpPr>
-          <p:cNvPr id="4" name="標題 3"/>
-          <p:cNvSpPr>
-            <a:spLocks noGrp="1"/>
-          </p:cNvSpPr>
-          <p:nvPr>
-            <p:ph type="title"/>
-          </p:nvPr>
-        </p:nvSpPr>
-        <p:spPr/>
-        <p:txBody>
-          <a:bodyPr/>
-          <a:lstStyle/>
-          <a:p>
-            <a:r>
-              <a:rPr lang="zh-TW" altLang="en-US" b="1" dirty="0">
-                <a:solidFill>
-                  <a:srgbClr val="002060"/>
-                </a:solidFill>
-                <a:latin typeface="微軟正黑體" pitchFamily="34" charset="-120"/>
-                <a:ea typeface="微軟正黑體" pitchFamily="34" charset="-120"/>
-              </a:rPr>
-              <a:t>不住祈禱</a:t>
-            </a:r>
-          </a:p>
-        </p:txBody>
-      </p:sp>
-      <p:sp>
-        <p:nvSpPr>
           <p:cNvPr id="5" name="內容版面配置區 4"/>
           <p:cNvSpPr>
             <a:spLocks noGrp="1"/>
@@ -3397,12 +3581,12 @@
         </p:nvSpPr>
         <p:spPr>
           <a:xfrm>
-            <a:off x="457200" y="1200150"/>
-            <a:ext cx="8229600" cy="3943349"/>
+            <a:off x="0" y="1563639"/>
+            <a:ext cx="9144000" cy="1803647"/>
           </a:xfrm>
         </p:spPr>
         <p:txBody>
-          <a:bodyPr>
+          <a:bodyPr anchor="ctr">
             <a:normAutofit/>
           </a:bodyPr>
           <a:lstStyle/>
@@ -3411,180 +3595,64 @@
               <a:buNone/>
             </a:pPr>
             <a:r>
+              <a:rPr lang="zh-TW" altLang="en-US" sz="4800" b="1" dirty="0" smtClean="0">
+                <a:solidFill>
+                  <a:srgbClr val="660033"/>
+                </a:solidFill>
+                <a:effectLst/>
+                <a:latin typeface="Microsoft JhengHei" pitchFamily="34" charset="-120"/>
+                <a:ea typeface="Microsoft JhengHei" pitchFamily="34" charset="-120"/>
+              </a:rPr>
+              <a:t>不</a:t>
+            </a:r>
+            <a:r>
               <a:rPr lang="zh-TW" altLang="en-US" sz="4800" b="1" dirty="0">
                 <a:solidFill>
-                  <a:srgbClr val="002060"/>
-                </a:solidFill>
-                <a:latin typeface="微軟正黑體" pitchFamily="34" charset="-120"/>
-                <a:ea typeface="微軟正黑體" pitchFamily="34" charset="-120"/>
-              </a:rPr>
-              <a:t>不住</a:t>
-            </a:r>
-            <a:r>
-              <a:rPr lang="zh-TW" altLang="en-US" sz="4800" b="1" dirty="0" smtClean="0">
-                <a:solidFill>
-                  <a:srgbClr val="002060"/>
-                </a:solidFill>
-                <a:latin typeface="微軟正黑體" pitchFamily="34" charset="-120"/>
-                <a:ea typeface="微軟正黑體" pitchFamily="34" charset="-120"/>
-              </a:rPr>
-              <a:t>祈禱  </a:t>
-            </a:r>
+                  <a:srgbClr val="660033"/>
+                </a:solidFill>
+                <a:effectLst/>
+                <a:latin typeface="Microsoft JhengHei" pitchFamily="34" charset="-120"/>
+                <a:ea typeface="Microsoft JhengHei" pitchFamily="34" charset="-120"/>
+              </a:rPr>
+              <a:t>住祈禱  因主是近</a:t>
+            </a:r>
+          </a:p>
+          <a:p>
+            <a:pPr algn="ctr">
+              <a:buNone/>
+            </a:pPr>
             <a:r>
               <a:rPr lang="zh-TW" altLang="en-US" sz="4800" b="1" dirty="0">
                 <a:solidFill>
-                  <a:srgbClr val="002060"/>
-                </a:solidFill>
-                <a:latin typeface="微軟正黑體" pitchFamily="34" charset="-120"/>
-                <a:ea typeface="微軟正黑體" pitchFamily="34" charset="-120"/>
-              </a:rPr>
-              <a:t>凡百所需</a:t>
-            </a:r>
-          </a:p>
-          <a:p>
-            <a:pPr algn="ctr">
-              <a:buNone/>
-            </a:pPr>
-            <a:r>
-              <a:rPr lang="zh-TW" altLang="en-US" sz="4800" b="1" dirty="0">
-                <a:solidFill>
-                  <a:srgbClr val="002060"/>
-                </a:solidFill>
-                <a:latin typeface="微軟正黑體" pitchFamily="34" charset="-120"/>
-                <a:ea typeface="微軟正黑體" pitchFamily="34" charset="-120"/>
-              </a:rPr>
-              <a:t>不住</a:t>
-            </a:r>
-            <a:r>
-              <a:rPr lang="zh-TW" altLang="en-US" sz="4800" b="1" dirty="0" smtClean="0">
-                <a:solidFill>
-                  <a:srgbClr val="002060"/>
-                </a:solidFill>
-                <a:latin typeface="微軟正黑體" pitchFamily="34" charset="-120"/>
-                <a:ea typeface="微軟正黑體" pitchFamily="34" charset="-120"/>
-              </a:rPr>
-              <a:t>祈禱  </a:t>
-            </a:r>
-            <a:r>
-              <a:rPr lang="zh-TW" altLang="en-US" sz="4800" b="1" dirty="0">
-                <a:solidFill>
-                  <a:srgbClr val="002060"/>
-                </a:solidFill>
-                <a:latin typeface="微軟正黑體" pitchFamily="34" charset="-120"/>
-                <a:ea typeface="微軟正黑體" pitchFamily="34" charset="-120"/>
-              </a:rPr>
-              <a:t>主賜全</a:t>
-            </a:r>
-            <a:r>
-              <a:rPr lang="zh-TW" altLang="en-US" sz="4800" b="1" dirty="0" smtClean="0">
-                <a:solidFill>
-                  <a:srgbClr val="002060"/>
-                </a:solidFill>
-                <a:latin typeface="微軟正黑體" pitchFamily="34" charset="-120"/>
-                <a:ea typeface="微軟正黑體" pitchFamily="34" charset="-120"/>
-              </a:rPr>
-              <a:t>備</a:t>
-            </a:r>
-            <a:endParaRPr lang="en-US" altLang="zh-TW" sz="4800" b="1" dirty="0" smtClean="0">
+                  <a:srgbClr val="660033"/>
+                </a:solidFill>
+                <a:effectLst/>
+                <a:latin typeface="Microsoft JhengHei" pitchFamily="34" charset="-120"/>
+                <a:ea typeface="Microsoft JhengHei" pitchFamily="34" charset="-120"/>
+              </a:rPr>
+              <a:t>不住祈禱  主全要聽</a:t>
+            </a:r>
+            <a:endParaRPr lang="en-US" altLang="zh-TW" sz="4800" b="1" dirty="0">
               <a:solidFill>
-                <a:srgbClr val="002060"/>
+                <a:srgbClr val="660033"/>
               </a:solidFill>
-              <a:latin typeface="微軟正黑體" pitchFamily="34" charset="-120"/>
-              <a:ea typeface="微軟正黑體" pitchFamily="34" charset="-120"/>
+              <a:effectLst/>
+              <a:latin typeface="Microsoft JhengHei" pitchFamily="34" charset="-120"/>
+              <a:ea typeface="Microsoft JhengHei" pitchFamily="34" charset="-120"/>
             </a:endParaRPr>
           </a:p>
-          <a:p>
-            <a:pPr algn="ctr">
-              <a:buNone/>
-            </a:pPr>
-            <a:r>
-              <a:rPr lang="zh-TW" altLang="en-US" sz="4800" b="1" dirty="0" smtClean="0">
-                <a:solidFill>
-                  <a:srgbClr val="002060"/>
-                </a:solidFill>
-                <a:latin typeface="微軟正黑體" pitchFamily="34" charset="-120"/>
-                <a:ea typeface="微軟正黑體" pitchFamily="34" charset="-120"/>
-              </a:rPr>
-              <a:t>無</a:t>
-            </a:r>
-            <a:r>
-              <a:rPr lang="zh-TW" altLang="en-US" sz="4800" b="1" dirty="0">
-                <a:solidFill>
-                  <a:srgbClr val="002060"/>
-                </a:solidFill>
-                <a:latin typeface="微軟正黑體" pitchFamily="34" charset="-120"/>
-                <a:ea typeface="微軟正黑體" pitchFamily="34" charset="-120"/>
-              </a:rPr>
-              <a:t>一禱詞 </a:t>
-            </a:r>
-            <a:r>
-              <a:rPr lang="zh-TW" altLang="en-US" sz="4800" b="1" dirty="0" smtClean="0">
-                <a:solidFill>
-                  <a:srgbClr val="002060"/>
-                </a:solidFill>
-                <a:latin typeface="微軟正黑體" pitchFamily="34" charset="-120"/>
-                <a:ea typeface="微軟正黑體" pitchFamily="34" charset="-120"/>
-              </a:rPr>
-              <a:t> 主</a:t>
-            </a:r>
-            <a:r>
-              <a:rPr lang="zh-TW" altLang="en-US" sz="4800" b="1" dirty="0">
-                <a:solidFill>
-                  <a:srgbClr val="002060"/>
-                </a:solidFill>
-                <a:latin typeface="微軟正黑體" pitchFamily="34" charset="-120"/>
-                <a:ea typeface="微軟正黑體" pitchFamily="34" charset="-120"/>
-              </a:rPr>
-              <a:t>看太小</a:t>
-            </a:r>
-          </a:p>
-          <a:p>
-            <a:pPr algn="ctr">
-              <a:buNone/>
-            </a:pPr>
-            <a:r>
-              <a:rPr lang="zh-TW" altLang="en-US" sz="4800" b="1" dirty="0">
-                <a:solidFill>
-                  <a:srgbClr val="002060"/>
-                </a:solidFill>
-                <a:latin typeface="微軟正黑體" pitchFamily="34" charset="-120"/>
-                <a:ea typeface="微軟正黑體" pitchFamily="34" charset="-120"/>
-              </a:rPr>
-              <a:t>不住祈禱 </a:t>
-            </a:r>
-            <a:r>
-              <a:rPr lang="zh-TW" altLang="en-US" sz="4800" b="1" dirty="0" smtClean="0">
-                <a:solidFill>
-                  <a:srgbClr val="002060"/>
-                </a:solidFill>
-                <a:latin typeface="微軟正黑體" pitchFamily="34" charset="-120"/>
-                <a:ea typeface="微軟正黑體" pitchFamily="34" charset="-120"/>
-              </a:rPr>
-              <a:t> 主</a:t>
-            </a:r>
-            <a:r>
-              <a:rPr lang="zh-TW" altLang="en-US" sz="4800" b="1" dirty="0">
-                <a:solidFill>
-                  <a:srgbClr val="002060"/>
-                </a:solidFill>
-                <a:latin typeface="微軟正黑體" pitchFamily="34" charset="-120"/>
-                <a:ea typeface="微軟正黑體" pitchFamily="34" charset="-120"/>
-              </a:rPr>
-              <a:t>都明瞭</a:t>
-            </a:r>
-          </a:p>
-        </p:txBody>
-      </p:sp>
-      <p:sp>
-        <p:nvSpPr>
-          <p:cNvPr id="6" name="文字方塊 5"/>
+        </p:txBody>
+      </p:sp>
+      <p:sp>
+        <p:nvSpPr>
+          <p:cNvPr id="3" name="TextBox 2"/>
           <p:cNvSpPr txBox="1"/>
           <p:nvPr/>
         </p:nvSpPr>
         <p:spPr>
           <a:xfrm>
-            <a:off x="642910" y="1285866"/>
-            <a:ext cx="642942" cy="830997"/>
+            <a:off x="0" y="3803914"/>
+            <a:ext cx="9144000" cy="646331"/>
           </a:xfrm>
           <a:prstGeom prst="rect">
             <a:avLst/>
@@ -3597,31 +3665,31 @@
           </a:bodyPr>
           <a:lstStyle/>
           <a:p>
-            <a:r>
-              <a:rPr lang="en-US" altLang="zh-TW" sz="4800" b="1" dirty="0" smtClean="0">
-                <a:solidFill>
-                  <a:srgbClr val="002060"/>
-                </a:solidFill>
-              </a:rPr>
-              <a:t>2</a:t>
-            </a:r>
-            <a:r>
-              <a:rPr lang="en-US" altLang="zh-TW" sz="4800" b="1" dirty="0" smtClean="0">
-                <a:solidFill>
-                  <a:srgbClr val="002060"/>
-                </a:solidFill>
-              </a:rPr>
-              <a:t>.</a:t>
-            </a:r>
-            <a:endParaRPr lang="zh-TW" altLang="en-US" sz="4800" b="1" dirty="0">
+            <a:pPr algn="ctr"/>
+            <a:r>
+              <a:rPr lang="en-US" sz="3600" b="1" dirty="0">
+                <a:solidFill>
+                  <a:srgbClr val="660033"/>
+                </a:solidFill>
+                <a:effectLst/>
+              </a:rPr>
+              <a:t>( 1 )</a:t>
+            </a:r>
+            <a:endParaRPr lang="vi-VN" sz="3600" b="1" dirty="0">
               <a:solidFill>
-                <a:srgbClr val="002060"/>
+                <a:srgbClr val="660033"/>
               </a:solidFill>
+              <a:effectLst/>
             </a:endParaRPr>
           </a:p>
         </p:txBody>
       </p:sp>
     </p:spTree>
+    <p:extLst>
+      <p:ext uri="{BB962C8B-B14F-4D97-AF65-F5344CB8AC3E}">
+        <p14:creationId xmlns:p14="http://schemas.microsoft.com/office/powerpoint/2010/main" val="1692645767"/>
+      </p:ext>
+    </p:extLst>
   </p:cSld>
   <p:clrMapOvr>
     <a:masterClrMapping/>
@@ -3655,50 +3723,40 @@
       </p:grpSpPr>
       <p:sp>
         <p:nvSpPr>
-          <p:cNvPr id="4" name="標題 3"/>
-          <p:cNvSpPr>
-            <a:spLocks noGrp="1"/>
-          </p:cNvSpPr>
-          <p:nvPr>
-            <p:ph type="title"/>
-          </p:nvPr>
-        </p:nvSpPr>
-        <p:spPr/>
-        <p:txBody>
-          <a:bodyPr>
+          <p:cNvPr id="5" name="內容版面配置區 4"/>
+          <p:cNvSpPr>
+            <a:spLocks noGrp="1"/>
+          </p:cNvSpPr>
+          <p:nvPr>
+            <p:ph idx="1"/>
+          </p:nvPr>
+        </p:nvSpPr>
+        <p:spPr>
+          <a:xfrm>
+            <a:off x="0" y="1563639"/>
+            <a:ext cx="9144000" cy="1803647"/>
+          </a:xfrm>
+        </p:spPr>
+        <p:txBody>
+          <a:bodyPr anchor="ctr">
             <a:normAutofit/>
           </a:bodyPr>
           <a:lstStyle/>
           <a:p>
-            <a:r>
-              <a:rPr lang="zh-TW" altLang="en-US" b="1" dirty="0">
-                <a:solidFill>
-                  <a:srgbClr val="002060"/>
+            <a:pPr algn="ctr">
+              <a:buNone/>
+            </a:pPr>
+            <a:r>
+              <a:rPr lang="zh-TW" altLang="en-US" sz="4800" b="1" dirty="0">
+                <a:solidFill>
+                  <a:srgbClr val="660033"/>
                 </a:solidFill>
                 <a:latin typeface="微軟正黑體" pitchFamily="34" charset="-120"/>
                 <a:ea typeface="微軟正黑體" pitchFamily="34" charset="-120"/>
               </a:rPr>
-              <a:t>不住祈禱</a:t>
-            </a:r>
-          </a:p>
-        </p:txBody>
-      </p:sp>
-      <p:sp>
-        <p:nvSpPr>
-          <p:cNvPr id="5" name="內容版面配置區 4"/>
-          <p:cNvSpPr>
-            <a:spLocks noGrp="1"/>
-          </p:cNvSpPr>
-          <p:nvPr>
-            <p:ph idx="1"/>
-          </p:nvPr>
-        </p:nvSpPr>
-        <p:spPr/>
-        <p:txBody>
-          <a:bodyPr>
-            <a:noAutofit/>
-          </a:bodyPr>
-          <a:lstStyle/>
+              <a:t>真神已許  決不失信</a:t>
+            </a:r>
+          </a:p>
           <a:p>
             <a:pPr algn="ctr">
               <a:buNone/>
@@ -3706,178 +3764,33 @@
             <a:r>
               <a:rPr lang="zh-TW" altLang="en-US" sz="4800" b="1" dirty="0">
                 <a:solidFill>
-                  <a:srgbClr val="002060"/>
+                  <a:srgbClr val="660033"/>
                 </a:solidFill>
                 <a:latin typeface="微軟正黑體" pitchFamily="34" charset="-120"/>
                 <a:ea typeface="微軟正黑體" pitchFamily="34" charset="-120"/>
               </a:rPr>
-              <a:t>不住</a:t>
-            </a:r>
-            <a:r>
-              <a:rPr lang="zh-TW" altLang="en-US" sz="4800" b="1" dirty="0" smtClean="0">
-                <a:solidFill>
-                  <a:srgbClr val="002060"/>
-                </a:solidFill>
-                <a:latin typeface="微軟正黑體" pitchFamily="34" charset="-120"/>
-                <a:ea typeface="微軟正黑體" pitchFamily="34" charset="-120"/>
-              </a:rPr>
-              <a:t>祈禱  </a:t>
-            </a:r>
-            <a:r>
-              <a:rPr lang="zh-TW" altLang="en-US" sz="4800" b="1" dirty="0">
-                <a:solidFill>
-                  <a:srgbClr val="002060"/>
-                </a:solidFill>
-                <a:latin typeface="微軟正黑體" pitchFamily="34" charset="-120"/>
-                <a:ea typeface="微軟正黑體" pitchFamily="34" charset="-120"/>
-              </a:rPr>
-              <a:t>遇試探時</a:t>
-            </a:r>
-          </a:p>
-          <a:p>
-            <a:pPr algn="ctr">
-              <a:buNone/>
-            </a:pPr>
-            <a:r>
-              <a:rPr lang="zh-TW" altLang="en-US" sz="4800" b="1" dirty="0">
-                <a:solidFill>
-                  <a:srgbClr val="002060"/>
-                </a:solidFill>
-                <a:latin typeface="微軟正黑體" pitchFamily="34" charset="-120"/>
-                <a:ea typeface="微軟正黑體" pitchFamily="34" charset="-120"/>
-              </a:rPr>
-              <a:t>不住</a:t>
-            </a:r>
-            <a:r>
-              <a:rPr lang="zh-TW" altLang="en-US" sz="4800" b="1" dirty="0" smtClean="0">
-                <a:solidFill>
-                  <a:srgbClr val="002060"/>
-                </a:solidFill>
-                <a:latin typeface="微軟正黑體" pitchFamily="34" charset="-120"/>
-                <a:ea typeface="微軟正黑體" pitchFamily="34" charset="-120"/>
-              </a:rPr>
-              <a:t>祈禱  </a:t>
-            </a:r>
-            <a:r>
-              <a:rPr lang="zh-TW" altLang="en-US" sz="4800" b="1" dirty="0">
-                <a:solidFill>
-                  <a:srgbClr val="002060"/>
-                </a:solidFill>
-                <a:latin typeface="微軟正黑體" pitchFamily="34" charset="-120"/>
-                <a:ea typeface="微軟正黑體" pitchFamily="34" charset="-120"/>
-              </a:rPr>
-              <a:t>必能</a:t>
-            </a:r>
-            <a:r>
-              <a:rPr lang="zh-TW" altLang="en-US" sz="4800" b="1" dirty="0" smtClean="0">
-                <a:solidFill>
-                  <a:srgbClr val="002060"/>
-                </a:solidFill>
-                <a:latin typeface="微軟正黑體" pitchFamily="34" charset="-120"/>
-                <a:ea typeface="微軟正黑體" pitchFamily="34" charset="-120"/>
-              </a:rPr>
-              <a:t>站住</a:t>
-            </a:r>
-            <a:endParaRPr lang="en-US" altLang="zh-TW" sz="4800" b="1" dirty="0" smtClean="0">
+              <a:t>不住祈禱  主必應允</a:t>
+            </a:r>
+            <a:endParaRPr lang="zh-TW" altLang="en-US" sz="4800" b="1" dirty="0">
               <a:solidFill>
-                <a:srgbClr val="002060"/>
+                <a:srgbClr val="660033"/>
               </a:solidFill>
               <a:latin typeface="微軟正黑體" pitchFamily="34" charset="-120"/>
               <a:ea typeface="微軟正黑體" pitchFamily="34" charset="-120"/>
             </a:endParaRPr>
           </a:p>
-          <a:p>
-            <a:pPr algn="ctr">
-              <a:buNone/>
-            </a:pPr>
-            <a:r>
-              <a:rPr lang="zh-TW" altLang="en-US" sz="4800" b="1" dirty="0" smtClean="0">
-                <a:solidFill>
-                  <a:srgbClr val="002060"/>
-                </a:solidFill>
-                <a:latin typeface="微軟正黑體" pitchFamily="34" charset="-120"/>
-                <a:ea typeface="微軟正黑體" pitchFamily="34" charset="-120"/>
-              </a:rPr>
-              <a:t>主</a:t>
-            </a:r>
-            <a:r>
-              <a:rPr lang="zh-TW" altLang="en-US" sz="4800" b="1" dirty="0">
-                <a:solidFill>
-                  <a:srgbClr val="002060"/>
-                </a:solidFill>
-                <a:latin typeface="微軟正黑體" pitchFamily="34" charset="-120"/>
-                <a:ea typeface="微軟正黑體" pitchFamily="34" charset="-120"/>
-              </a:rPr>
-              <a:t>曾受</a:t>
-            </a:r>
-            <a:r>
-              <a:rPr lang="zh-TW" altLang="en-US" sz="4800" b="1" dirty="0" smtClean="0">
-                <a:solidFill>
-                  <a:srgbClr val="002060"/>
-                </a:solidFill>
-                <a:latin typeface="微軟正黑體" pitchFamily="34" charset="-120"/>
-                <a:ea typeface="微軟正黑體" pitchFamily="34" charset="-120"/>
-              </a:rPr>
-              <a:t>試  </a:t>
-            </a:r>
-            <a:r>
-              <a:rPr lang="zh-TW" altLang="en-US" sz="4800" b="1" dirty="0">
-                <a:solidFill>
-                  <a:srgbClr val="002060"/>
-                </a:solidFill>
-                <a:latin typeface="微軟正黑體" pitchFamily="34" charset="-120"/>
-                <a:ea typeface="微軟正黑體" pitchFamily="34" charset="-120"/>
-              </a:rPr>
-              <a:t>凡事體恤</a:t>
-            </a:r>
-          </a:p>
-          <a:p>
-            <a:pPr algn="ctr">
-              <a:buNone/>
-            </a:pPr>
-            <a:r>
-              <a:rPr lang="zh-TW" altLang="en-US" sz="4800" b="1" dirty="0">
-                <a:solidFill>
-                  <a:srgbClr val="002060"/>
-                </a:solidFill>
-                <a:latin typeface="微軟正黑體" pitchFamily="34" charset="-120"/>
-                <a:ea typeface="微軟正黑體" pitchFamily="34" charset="-120"/>
-              </a:rPr>
-              <a:t>不住</a:t>
-            </a:r>
-            <a:r>
-              <a:rPr lang="zh-TW" altLang="en-US" sz="4800" b="1" dirty="0" smtClean="0">
-                <a:solidFill>
-                  <a:srgbClr val="002060"/>
-                </a:solidFill>
-                <a:latin typeface="微軟正黑體" pitchFamily="34" charset="-120"/>
-                <a:ea typeface="微軟正黑體" pitchFamily="34" charset="-120"/>
-              </a:rPr>
-              <a:t>祈禱  </a:t>
-            </a:r>
-            <a:r>
-              <a:rPr lang="zh-TW" altLang="en-US" sz="4800" b="1" dirty="0">
-                <a:solidFill>
-                  <a:srgbClr val="002060"/>
-                </a:solidFill>
-                <a:latin typeface="微軟正黑體" pitchFamily="34" charset="-120"/>
-                <a:ea typeface="微軟正黑體" pitchFamily="34" charset="-120"/>
-              </a:rPr>
-              <a:t>主攙扶你</a:t>
-            </a:r>
-          </a:p>
-        </p:txBody>
-      </p:sp>
-      <p:sp>
-        <p:nvSpPr>
-          <p:cNvPr id="6" name="文字方塊 5"/>
+        </p:txBody>
+      </p:sp>
+      <p:sp>
+        <p:nvSpPr>
+          <p:cNvPr id="3" name="TextBox 2"/>
           <p:cNvSpPr txBox="1"/>
           <p:nvPr/>
         </p:nvSpPr>
         <p:spPr>
           <a:xfrm>
-            <a:off x="642910" y="1285866"/>
-            <a:ext cx="642942" cy="830997"/>
+            <a:off x="0" y="3803914"/>
+            <a:ext cx="9144000" cy="646331"/>
           </a:xfrm>
           <a:prstGeom prst="rect">
             <a:avLst/>
@@ -3890,31 +3803,31 @@
           </a:bodyPr>
           <a:lstStyle/>
           <a:p>
-            <a:r>
-              <a:rPr lang="en-US" altLang="zh-TW" sz="4800" b="1" dirty="0" smtClean="0">
-                <a:solidFill>
-                  <a:srgbClr val="002060"/>
-                </a:solidFill>
-              </a:rPr>
-              <a:t>3</a:t>
-            </a:r>
-            <a:r>
-              <a:rPr lang="en-US" altLang="zh-TW" sz="4800" b="1" dirty="0" smtClean="0">
-                <a:solidFill>
-                  <a:srgbClr val="002060"/>
-                </a:solidFill>
-              </a:rPr>
-              <a:t>.</a:t>
-            </a:r>
-            <a:endParaRPr lang="zh-TW" altLang="en-US" sz="4800" b="1" dirty="0">
+            <a:pPr algn="ctr"/>
+            <a:r>
+              <a:rPr lang="en-US" sz="3600" b="1" dirty="0">
+                <a:solidFill>
+                  <a:srgbClr val="660033"/>
+                </a:solidFill>
+                <a:effectLst/>
+              </a:rPr>
+              <a:t>( 1 )</a:t>
+            </a:r>
+            <a:endParaRPr lang="vi-VN" sz="3600" b="1" dirty="0">
               <a:solidFill>
-                <a:srgbClr val="002060"/>
+                <a:srgbClr val="660033"/>
               </a:solidFill>
+              <a:effectLst/>
             </a:endParaRPr>
           </a:p>
         </p:txBody>
       </p:sp>
     </p:spTree>
+    <p:extLst>
+      <p:ext uri="{BB962C8B-B14F-4D97-AF65-F5344CB8AC3E}">
+        <p14:creationId xmlns:p14="http://schemas.microsoft.com/office/powerpoint/2010/main" val="801033327"/>
+      </p:ext>
+    </p:extLst>
   </p:cSld>
   <p:clrMapOvr>
     <a:masterClrMapping/>
@@ -3948,50 +3861,40 @@
       </p:grpSpPr>
       <p:sp>
         <p:nvSpPr>
-          <p:cNvPr id="4" name="標題 3"/>
-          <p:cNvSpPr>
-            <a:spLocks noGrp="1"/>
-          </p:cNvSpPr>
-          <p:nvPr>
-            <p:ph type="title"/>
-          </p:nvPr>
-        </p:nvSpPr>
-        <p:spPr/>
-        <p:txBody>
-          <a:bodyPr>
+          <p:cNvPr id="5" name="內容版面配置區 4"/>
+          <p:cNvSpPr>
+            <a:spLocks noGrp="1"/>
+          </p:cNvSpPr>
+          <p:nvPr>
+            <p:ph idx="1"/>
+          </p:nvPr>
+        </p:nvSpPr>
+        <p:spPr>
+          <a:xfrm>
+            <a:off x="0" y="1563639"/>
+            <a:ext cx="9144000" cy="1803647"/>
+          </a:xfrm>
+        </p:spPr>
+        <p:txBody>
+          <a:bodyPr anchor="ctr">
             <a:normAutofit/>
           </a:bodyPr>
           <a:lstStyle/>
           <a:p>
-            <a:r>
-              <a:rPr lang="zh-TW" altLang="en-US" b="1" dirty="0">
-                <a:solidFill>
-                  <a:srgbClr val="002060"/>
+            <a:pPr algn="ctr">
+              <a:buNone/>
+            </a:pPr>
+            <a:r>
+              <a:rPr lang="zh-TW" altLang="en-US" sz="4800" b="1" dirty="0">
+                <a:solidFill>
+                  <a:srgbClr val="660033"/>
                 </a:solidFill>
                 <a:latin typeface="微軟正黑體" pitchFamily="34" charset="-120"/>
                 <a:ea typeface="微軟正黑體" pitchFamily="34" charset="-120"/>
               </a:rPr>
-              <a:t>不住祈禱</a:t>
-            </a:r>
-          </a:p>
-        </p:txBody>
-      </p:sp>
-      <p:sp>
-        <p:nvSpPr>
-          <p:cNvPr id="5" name="內容版面配置區 4"/>
-          <p:cNvSpPr>
-            <a:spLocks noGrp="1"/>
-          </p:cNvSpPr>
-          <p:nvPr>
-            <p:ph idx="1"/>
-          </p:nvPr>
-        </p:nvSpPr>
-        <p:spPr/>
-        <p:txBody>
-          <a:bodyPr>
-            <a:noAutofit/>
-          </a:bodyPr>
-          <a:lstStyle/>
+              <a:t>不住祈禱  凡百所需</a:t>
+            </a:r>
+          </a:p>
           <a:p>
             <a:pPr algn="ctr">
               <a:buNone/>
@@ -3999,178 +3902,33 @@
             <a:r>
               <a:rPr lang="zh-TW" altLang="en-US" sz="4800" b="1" dirty="0">
                 <a:solidFill>
-                  <a:srgbClr val="002060"/>
+                  <a:srgbClr val="660033"/>
                 </a:solidFill>
                 <a:latin typeface="微軟正黑體" pitchFamily="34" charset="-120"/>
                 <a:ea typeface="微軟正黑體" pitchFamily="34" charset="-120"/>
               </a:rPr>
-              <a:t>不住</a:t>
-            </a:r>
-            <a:r>
-              <a:rPr lang="zh-TW" altLang="en-US" sz="4800" b="1" dirty="0" smtClean="0">
-                <a:solidFill>
-                  <a:srgbClr val="002060"/>
-                </a:solidFill>
-                <a:latin typeface="微軟正黑體" pitchFamily="34" charset="-120"/>
-                <a:ea typeface="微軟正黑體" pitchFamily="34" charset="-120"/>
-              </a:rPr>
-              <a:t>祈禱  </a:t>
-            </a:r>
-            <a:r>
-              <a:rPr lang="zh-TW" altLang="en-US" sz="4800" b="1" dirty="0">
-                <a:solidFill>
-                  <a:srgbClr val="002060"/>
-                </a:solidFill>
-                <a:latin typeface="微軟正黑體" pitchFamily="34" charset="-120"/>
-                <a:ea typeface="微軟正黑體" pitchFamily="34" charset="-120"/>
-              </a:rPr>
-              <a:t>若遇憂愁</a:t>
-            </a:r>
-          </a:p>
-          <a:p>
-            <a:pPr algn="ctr">
-              <a:buNone/>
-            </a:pPr>
-            <a:r>
-              <a:rPr lang="zh-TW" altLang="en-US" sz="4800" b="1" dirty="0">
-                <a:solidFill>
-                  <a:srgbClr val="002060"/>
-                </a:solidFill>
-                <a:latin typeface="微軟正黑體" pitchFamily="34" charset="-120"/>
-                <a:ea typeface="微軟正黑體" pitchFamily="34" charset="-120"/>
-              </a:rPr>
-              <a:t>不住祈禱 </a:t>
-            </a:r>
-            <a:r>
-              <a:rPr lang="zh-TW" altLang="en-US" sz="4800" b="1" dirty="0" smtClean="0">
-                <a:solidFill>
-                  <a:srgbClr val="002060"/>
-                </a:solidFill>
-                <a:latin typeface="微軟正黑體" pitchFamily="34" charset="-120"/>
-                <a:ea typeface="微軟正黑體" pitchFamily="34" charset="-120"/>
-              </a:rPr>
-              <a:t> 必</a:t>
-            </a:r>
-            <a:r>
-              <a:rPr lang="zh-TW" altLang="en-US" sz="4800" b="1" dirty="0">
-                <a:solidFill>
-                  <a:srgbClr val="002060"/>
-                </a:solidFill>
-                <a:latin typeface="微軟正黑體" pitchFamily="34" charset="-120"/>
-                <a:ea typeface="微軟正黑體" pitchFamily="34" charset="-120"/>
-              </a:rPr>
-              <a:t>能</a:t>
-            </a:r>
-            <a:r>
-              <a:rPr lang="zh-TW" altLang="en-US" sz="4800" b="1" dirty="0" smtClean="0">
-                <a:solidFill>
-                  <a:srgbClr val="002060"/>
-                </a:solidFill>
-                <a:latin typeface="微軟正黑體" pitchFamily="34" charset="-120"/>
-                <a:ea typeface="微軟正黑體" pitchFamily="34" charset="-120"/>
-              </a:rPr>
-              <a:t>拯救</a:t>
-            </a:r>
-            <a:endParaRPr lang="en-US" altLang="zh-TW" sz="4800" b="1" dirty="0" smtClean="0">
+              <a:t>不住祈禱  主賜全備</a:t>
+            </a:r>
+            <a:endParaRPr lang="en-US" altLang="zh-TW" sz="4800" b="1" dirty="0">
               <a:solidFill>
-                <a:srgbClr val="002060"/>
+                <a:srgbClr val="660033"/>
               </a:solidFill>
               <a:latin typeface="微軟正黑體" pitchFamily="34" charset="-120"/>
               <a:ea typeface="微軟正黑體" pitchFamily="34" charset="-120"/>
             </a:endParaRPr>
           </a:p>
-          <a:p>
-            <a:pPr algn="ctr">
-              <a:buNone/>
-            </a:pPr>
-            <a:r>
-              <a:rPr lang="zh-TW" altLang="en-US" sz="4800" b="1" dirty="0" smtClean="0">
-                <a:solidFill>
-                  <a:srgbClr val="002060"/>
-                </a:solidFill>
-                <a:latin typeface="微軟正黑體" pitchFamily="34" charset="-120"/>
-                <a:ea typeface="微軟正黑體" pitchFamily="34" charset="-120"/>
-              </a:rPr>
-              <a:t>你</a:t>
-            </a:r>
-            <a:r>
-              <a:rPr lang="zh-TW" altLang="en-US" sz="4800" b="1" dirty="0">
-                <a:solidFill>
-                  <a:srgbClr val="002060"/>
-                </a:solidFill>
-                <a:latin typeface="微軟正黑體" pitchFamily="34" charset="-120"/>
-                <a:ea typeface="微軟正黑體" pitchFamily="34" charset="-120"/>
-              </a:rPr>
-              <a:t>心苦楚 </a:t>
-            </a:r>
-            <a:r>
-              <a:rPr lang="zh-TW" altLang="en-US" sz="4800" b="1" dirty="0" smtClean="0">
-                <a:solidFill>
-                  <a:srgbClr val="002060"/>
-                </a:solidFill>
-                <a:latin typeface="微軟正黑體" pitchFamily="34" charset="-120"/>
-                <a:ea typeface="微軟正黑體" pitchFamily="34" charset="-120"/>
-              </a:rPr>
-              <a:t> 真神</a:t>
-            </a:r>
-            <a:r>
-              <a:rPr lang="zh-TW" altLang="en-US" sz="4800" b="1" dirty="0">
-                <a:solidFill>
-                  <a:srgbClr val="002060"/>
-                </a:solidFill>
-                <a:latin typeface="微軟正黑體" pitchFamily="34" charset="-120"/>
-                <a:ea typeface="微軟正黑體" pitchFamily="34" charset="-120"/>
-              </a:rPr>
-              <a:t>知道</a:t>
-            </a:r>
-          </a:p>
-          <a:p>
-            <a:pPr algn="ctr">
-              <a:buNone/>
-            </a:pPr>
-            <a:r>
-              <a:rPr lang="zh-TW" altLang="en-US" sz="4800" b="1" dirty="0">
-                <a:solidFill>
-                  <a:srgbClr val="002060"/>
-                </a:solidFill>
-                <a:latin typeface="微軟正黑體" pitchFamily="34" charset="-120"/>
-                <a:ea typeface="微軟正黑體" pitchFamily="34" charset="-120"/>
-              </a:rPr>
-              <a:t>不住祈禱 </a:t>
-            </a:r>
-            <a:r>
-              <a:rPr lang="zh-TW" altLang="en-US" sz="4800" b="1" dirty="0" smtClean="0">
-                <a:solidFill>
-                  <a:srgbClr val="002060"/>
-                </a:solidFill>
-                <a:latin typeface="微軟正黑體" pitchFamily="34" charset="-120"/>
-                <a:ea typeface="微軟正黑體" pitchFamily="34" charset="-120"/>
-              </a:rPr>
-              <a:t> 主</a:t>
-            </a:r>
-            <a:r>
-              <a:rPr lang="zh-TW" altLang="en-US" sz="4800" b="1" dirty="0">
-                <a:solidFill>
-                  <a:srgbClr val="002060"/>
-                </a:solidFill>
-                <a:latin typeface="微軟正黑體" pitchFamily="34" charset="-120"/>
-                <a:ea typeface="微軟正黑體" pitchFamily="34" charset="-120"/>
-              </a:rPr>
-              <a:t>會排好</a:t>
-            </a:r>
-          </a:p>
-        </p:txBody>
-      </p:sp>
-      <p:sp>
-        <p:nvSpPr>
-          <p:cNvPr id="6" name="文字方塊 5"/>
+        </p:txBody>
+      </p:sp>
+      <p:sp>
+        <p:nvSpPr>
+          <p:cNvPr id="3" name="TextBox 2"/>
           <p:cNvSpPr txBox="1"/>
           <p:nvPr/>
         </p:nvSpPr>
         <p:spPr>
           <a:xfrm>
-            <a:off x="642910" y="1285866"/>
-            <a:ext cx="642942" cy="830997"/>
+            <a:off x="0" y="3803914"/>
+            <a:ext cx="9144000" cy="646331"/>
           </a:xfrm>
           <a:prstGeom prst="rect">
             <a:avLst/>
@@ -4183,31 +3941,49 @@
           </a:bodyPr>
           <a:lstStyle/>
           <a:p>
-            <a:r>
-              <a:rPr lang="en-US" altLang="zh-TW" sz="4800" b="1" dirty="0" smtClean="0">
-                <a:solidFill>
-                  <a:srgbClr val="002060"/>
-                </a:solidFill>
-              </a:rPr>
-              <a:t>4</a:t>
-            </a:r>
-            <a:r>
-              <a:rPr lang="en-US" altLang="zh-TW" sz="4800" b="1" dirty="0" smtClean="0">
-                <a:solidFill>
-                  <a:srgbClr val="002060"/>
-                </a:solidFill>
-              </a:rPr>
-              <a:t>.</a:t>
-            </a:r>
-            <a:endParaRPr lang="zh-TW" altLang="en-US" sz="4800" b="1" dirty="0">
+            <a:pPr algn="ctr"/>
+            <a:r>
+              <a:rPr lang="en-US" sz="3600" b="1" dirty="0">
+                <a:solidFill>
+                  <a:srgbClr val="660033"/>
+                </a:solidFill>
+                <a:effectLst/>
+              </a:rPr>
+              <a:t>( </a:t>
+            </a:r>
+            <a:r>
+              <a:rPr lang="en-US" sz="3600" b="1" dirty="0" smtClean="0">
+                <a:solidFill>
+                  <a:srgbClr val="660033"/>
+                </a:solidFill>
+                <a:effectLst/>
+              </a:rPr>
+              <a:t>2 </a:t>
+            </a:r>
+            <a:r>
+              <a:rPr lang="en-US" sz="3600" b="1" dirty="0">
+                <a:solidFill>
+                  <a:srgbClr val="660033"/>
+                </a:solidFill>
+                <a:effectLst/>
+              </a:rPr>
+              <a:t>)</a:t>
+            </a:r>
+            <a:endParaRPr lang="vi-VN" sz="3600" b="1" dirty="0">
               <a:solidFill>
-                <a:srgbClr val="002060"/>
+                <a:srgbClr val="660033"/>
               </a:solidFill>
+              <a:effectLst/>
             </a:endParaRPr>
           </a:p>
         </p:txBody>
       </p:sp>
     </p:spTree>
+    <p:extLst>
+      <p:ext uri="{BB962C8B-B14F-4D97-AF65-F5344CB8AC3E}">
+        <p14:creationId xmlns:p14="http://schemas.microsoft.com/office/powerpoint/2010/main" val="1738594345"/>
+      </p:ext>
+    </p:extLst>
   </p:cSld>
   <p:clrMapOvr>
     <a:masterClrMapping/>
@@ -4241,55 +4017,40 @@
       </p:grpSpPr>
       <p:sp>
         <p:nvSpPr>
-          <p:cNvPr id="4" name="標題 3"/>
-          <p:cNvSpPr>
-            <a:spLocks noGrp="1"/>
-          </p:cNvSpPr>
-          <p:nvPr>
-            <p:ph type="title"/>
-          </p:nvPr>
-        </p:nvSpPr>
-        <p:spPr/>
-        <p:txBody>
-          <a:bodyPr>
+          <p:cNvPr id="5" name="內容版面配置區 4"/>
+          <p:cNvSpPr>
+            <a:spLocks noGrp="1"/>
+          </p:cNvSpPr>
+          <p:nvPr>
+            <p:ph idx="1"/>
+          </p:nvPr>
+        </p:nvSpPr>
+        <p:spPr>
+          <a:xfrm>
+            <a:off x="0" y="1563639"/>
+            <a:ext cx="9144000" cy="1803647"/>
+          </a:xfrm>
+        </p:spPr>
+        <p:txBody>
+          <a:bodyPr anchor="ctr">
             <a:normAutofit/>
           </a:bodyPr>
           <a:lstStyle/>
           <a:p>
-            <a:r>
-              <a:rPr lang="zh-TW" altLang="en-US" b="1" dirty="0">
-                <a:solidFill>
-                  <a:srgbClr val="002060"/>
+            <a:pPr algn="ctr">
+              <a:buNone/>
+            </a:pPr>
+            <a:r>
+              <a:rPr lang="zh-TW" altLang="en-US" sz="4800" b="1" dirty="0">
+                <a:solidFill>
+                  <a:srgbClr val="660033"/>
                 </a:solidFill>
                 <a:latin typeface="微軟正黑體" pitchFamily="34" charset="-120"/>
                 <a:ea typeface="微軟正黑體" pitchFamily="34" charset="-120"/>
               </a:rPr>
-              <a:t>不住祈禱</a:t>
-            </a:r>
-          </a:p>
-        </p:txBody>
-      </p:sp>
-      <p:sp>
-        <p:nvSpPr>
-          <p:cNvPr id="5" name="內容版面配置區 4"/>
-          <p:cNvSpPr>
-            <a:spLocks noGrp="1"/>
-          </p:cNvSpPr>
-          <p:nvPr>
-            <p:ph idx="1"/>
-          </p:nvPr>
-        </p:nvSpPr>
-        <p:spPr>
-          <a:xfrm>
-            <a:off x="457200" y="1200150"/>
-            <a:ext cx="8229600" cy="3943349"/>
-          </a:xfrm>
-        </p:spPr>
-        <p:txBody>
-          <a:bodyPr>
-            <a:normAutofit/>
-          </a:bodyPr>
-          <a:lstStyle/>
+              <a:t>無一禱詞  主看太小</a:t>
+            </a:r>
+          </a:p>
           <a:p>
             <a:pPr algn="ctr">
               <a:buNone/>
@@ -4297,178 +4058,33 @@
             <a:r>
               <a:rPr lang="zh-TW" altLang="en-US" sz="4800" b="1" dirty="0">
                 <a:solidFill>
-                  <a:srgbClr val="002060"/>
+                  <a:srgbClr val="660033"/>
                 </a:solidFill>
                 <a:latin typeface="微軟正黑體" pitchFamily="34" charset="-120"/>
                 <a:ea typeface="微軟正黑體" pitchFamily="34" charset="-120"/>
               </a:rPr>
-              <a:t>不住祈禱 </a:t>
-            </a:r>
-            <a:r>
-              <a:rPr lang="zh-TW" altLang="en-US" sz="4800" b="1" dirty="0" smtClean="0">
-                <a:solidFill>
-                  <a:srgbClr val="002060"/>
-                </a:solidFill>
-                <a:latin typeface="微軟正黑體" pitchFamily="34" charset="-120"/>
-                <a:ea typeface="微軟正黑體" pitchFamily="34" charset="-120"/>
-              </a:rPr>
-              <a:t> 當</a:t>
-            </a:r>
-            <a:r>
-              <a:rPr lang="zh-TW" altLang="en-US" sz="4800" b="1" dirty="0">
-                <a:solidFill>
-                  <a:srgbClr val="002060"/>
-                </a:solidFill>
-                <a:latin typeface="微軟正黑體" pitchFamily="34" charset="-120"/>
-                <a:ea typeface="微軟正黑體" pitchFamily="34" charset="-120"/>
-              </a:rPr>
-              <a:t>有信心</a:t>
-            </a:r>
-          </a:p>
-          <a:p>
-            <a:pPr algn="ctr">
-              <a:buNone/>
-            </a:pPr>
-            <a:r>
-              <a:rPr lang="zh-TW" altLang="en-US" sz="4800" b="1" dirty="0">
-                <a:solidFill>
-                  <a:srgbClr val="002060"/>
-                </a:solidFill>
-                <a:latin typeface="微軟正黑體" pitchFamily="34" charset="-120"/>
-                <a:ea typeface="微軟正黑體" pitchFamily="34" charset="-120"/>
-              </a:rPr>
-              <a:t>不住祈禱 </a:t>
-            </a:r>
-            <a:r>
-              <a:rPr lang="zh-TW" altLang="en-US" sz="4800" b="1" dirty="0" smtClean="0">
-                <a:solidFill>
-                  <a:srgbClr val="002060"/>
-                </a:solidFill>
-                <a:latin typeface="微軟正黑體" pitchFamily="34" charset="-120"/>
-                <a:ea typeface="微軟正黑體" pitchFamily="34" charset="-120"/>
-              </a:rPr>
-              <a:t> 是</a:t>
-            </a:r>
-            <a:r>
-              <a:rPr lang="zh-TW" altLang="en-US" sz="4800" b="1" dirty="0">
-                <a:solidFill>
-                  <a:srgbClr val="002060"/>
-                </a:solidFill>
-                <a:latin typeface="微軟正黑體" pitchFamily="34" charset="-120"/>
-                <a:ea typeface="微軟正黑體" pitchFamily="34" charset="-120"/>
-              </a:rPr>
-              <a:t>最</a:t>
-            </a:r>
-            <a:r>
-              <a:rPr lang="zh-TW" altLang="en-US" sz="4800" b="1" dirty="0" smtClean="0">
-                <a:solidFill>
-                  <a:srgbClr val="002060"/>
-                </a:solidFill>
-                <a:latin typeface="微軟正黑體" pitchFamily="34" charset="-120"/>
-                <a:ea typeface="微軟正黑體" pitchFamily="34" charset="-120"/>
-              </a:rPr>
-              <a:t>要緊</a:t>
-            </a:r>
-            <a:endParaRPr lang="en-US" altLang="zh-TW" sz="4800" b="1" dirty="0" smtClean="0">
+              <a:t>不住祈禱  主都明瞭</a:t>
+            </a:r>
+            <a:endParaRPr lang="zh-TW" altLang="en-US" sz="4800" b="1" dirty="0">
               <a:solidFill>
-                <a:srgbClr val="002060"/>
+                <a:srgbClr val="660033"/>
               </a:solidFill>
               <a:latin typeface="微軟正黑體" pitchFamily="34" charset="-120"/>
               <a:ea typeface="微軟正黑體" pitchFamily="34" charset="-120"/>
             </a:endParaRPr>
           </a:p>
-          <a:p>
-            <a:pPr algn="ctr">
-              <a:buNone/>
-            </a:pPr>
-            <a:r>
-              <a:rPr lang="zh-TW" altLang="en-US" sz="4800" b="1" dirty="0" smtClean="0">
-                <a:solidFill>
-                  <a:srgbClr val="002060"/>
-                </a:solidFill>
-                <a:latin typeface="微軟正黑體" pitchFamily="34" charset="-120"/>
-                <a:ea typeface="微軟正黑體" pitchFamily="34" charset="-120"/>
-              </a:rPr>
-              <a:t>信心</a:t>
-            </a:r>
-            <a:r>
-              <a:rPr lang="zh-TW" altLang="en-US" sz="4800" b="1" dirty="0">
-                <a:solidFill>
-                  <a:srgbClr val="002060"/>
-                </a:solidFill>
-                <a:latin typeface="微軟正黑體" pitchFamily="34" charset="-120"/>
-                <a:ea typeface="微軟正黑體" pitchFamily="34" charset="-120"/>
-              </a:rPr>
-              <a:t>能除 </a:t>
-            </a:r>
-            <a:r>
-              <a:rPr lang="zh-TW" altLang="en-US" sz="4800" b="1" dirty="0" smtClean="0">
-                <a:solidFill>
-                  <a:srgbClr val="002060"/>
-                </a:solidFill>
-                <a:latin typeface="微軟正黑體" pitchFamily="34" charset="-120"/>
-                <a:ea typeface="微軟正黑體" pitchFamily="34" charset="-120"/>
-              </a:rPr>
-              <a:t> 憂愁</a:t>
-            </a:r>
-            <a:r>
-              <a:rPr lang="zh-TW" altLang="en-US" sz="4800" b="1" dirty="0">
-                <a:solidFill>
-                  <a:srgbClr val="002060"/>
-                </a:solidFill>
-                <a:latin typeface="微軟正黑體" pitchFamily="34" charset="-120"/>
-                <a:ea typeface="微軟正黑體" pitchFamily="34" charset="-120"/>
-              </a:rPr>
-              <a:t>傷心</a:t>
-            </a:r>
-          </a:p>
-          <a:p>
-            <a:pPr algn="ctr">
-              <a:buNone/>
-            </a:pPr>
-            <a:r>
-              <a:rPr lang="zh-TW" altLang="en-US" sz="4800" b="1" dirty="0">
-                <a:solidFill>
-                  <a:srgbClr val="002060"/>
-                </a:solidFill>
-                <a:latin typeface="微軟正黑體" pitchFamily="34" charset="-120"/>
-                <a:ea typeface="微軟正黑體" pitchFamily="34" charset="-120"/>
-              </a:rPr>
-              <a:t>不住</a:t>
-            </a:r>
-            <a:r>
-              <a:rPr lang="zh-TW" altLang="en-US" sz="4800" b="1" dirty="0" smtClean="0">
-                <a:solidFill>
-                  <a:srgbClr val="002060"/>
-                </a:solidFill>
-                <a:latin typeface="微軟正黑體" pitchFamily="34" charset="-120"/>
-                <a:ea typeface="微軟正黑體" pitchFamily="34" charset="-120"/>
-              </a:rPr>
-              <a:t>祈禱  </a:t>
-            </a:r>
-            <a:r>
-              <a:rPr lang="zh-TW" altLang="en-US" sz="4800" b="1" dirty="0">
-                <a:solidFill>
-                  <a:srgbClr val="002060"/>
-                </a:solidFill>
-                <a:latin typeface="微軟正黑體" pitchFamily="34" charset="-120"/>
-                <a:ea typeface="微軟正黑體" pitchFamily="34" charset="-120"/>
-              </a:rPr>
-              <a:t>主必答應</a:t>
-            </a:r>
-          </a:p>
-        </p:txBody>
-      </p:sp>
-      <p:sp>
-        <p:nvSpPr>
-          <p:cNvPr id="6" name="文字方塊 5"/>
+        </p:txBody>
+      </p:sp>
+      <p:sp>
+        <p:nvSpPr>
+          <p:cNvPr id="3" name="TextBox 2"/>
           <p:cNvSpPr txBox="1"/>
           <p:nvPr/>
         </p:nvSpPr>
         <p:spPr>
           <a:xfrm>
-            <a:off x="642910" y="1285866"/>
-            <a:ext cx="642942" cy="830997"/>
+            <a:off x="0" y="3803914"/>
+            <a:ext cx="9144000" cy="646331"/>
           </a:xfrm>
           <a:prstGeom prst="rect">
             <a:avLst/>
@@ -4481,31 +4097,673 @@
           </a:bodyPr>
           <a:lstStyle/>
           <a:p>
-            <a:r>
-              <a:rPr lang="en-US" altLang="zh-TW" sz="4800" b="1" dirty="0" smtClean="0">
-                <a:solidFill>
-                  <a:srgbClr val="002060"/>
-                </a:solidFill>
-              </a:rPr>
-              <a:t>5</a:t>
-            </a:r>
-            <a:r>
-              <a:rPr lang="en-US" altLang="zh-TW" sz="4800" b="1" dirty="0" smtClean="0">
-                <a:solidFill>
-                  <a:srgbClr val="002060"/>
-                </a:solidFill>
-              </a:rPr>
-              <a:t>.</a:t>
+            <a:pPr algn="ctr"/>
+            <a:r>
+              <a:rPr lang="en-US" sz="3600" b="1" dirty="0">
+                <a:solidFill>
+                  <a:srgbClr val="660033"/>
+                </a:solidFill>
+                <a:effectLst/>
+              </a:rPr>
+              <a:t>( </a:t>
+            </a:r>
+            <a:r>
+              <a:rPr lang="en-US" sz="3600" b="1" dirty="0" smtClean="0">
+                <a:solidFill>
+                  <a:srgbClr val="660033"/>
+                </a:solidFill>
+                <a:effectLst/>
+              </a:rPr>
+              <a:t>2 </a:t>
+            </a:r>
+            <a:r>
+              <a:rPr lang="en-US" sz="3600" b="1" dirty="0">
+                <a:solidFill>
+                  <a:srgbClr val="660033"/>
+                </a:solidFill>
+                <a:effectLst/>
+              </a:rPr>
+              <a:t>)</a:t>
+            </a:r>
+            <a:endParaRPr lang="vi-VN" sz="3600" b="1" dirty="0">
+              <a:solidFill>
+                <a:srgbClr val="660033"/>
+              </a:solidFill>
+              <a:effectLst/>
+            </a:endParaRPr>
+          </a:p>
+        </p:txBody>
+      </p:sp>
+    </p:spTree>
+    <p:extLst>
+      <p:ext uri="{BB962C8B-B14F-4D97-AF65-F5344CB8AC3E}">
+        <p14:creationId xmlns:p14="http://schemas.microsoft.com/office/powerpoint/2010/main" val="2673341559"/>
+      </p:ext>
+    </p:extLst>
+  </p:cSld>
+  <p:clrMapOvr>
+    <a:masterClrMapping/>
+  </p:clrMapOvr>
+  <p:timing>
+    <p:tnLst>
+      <p:par>
+        <p:cTn id="1" dur="indefinite" restart="never" nodeType="tmRoot"/>
+      </p:par>
+    </p:tnLst>
+  </p:timing>
+</p:sld>
+</file>
+
+<file path=ppt/slides/slide6.xml><?xml version="1.0" encoding="utf-8"?>
+<p:sld xmlns:a="http://schemas.openxmlformats.org/drawingml/2006/main" xmlns:r="http://schemas.openxmlformats.org/officeDocument/2006/relationships" xmlns:p="http://schemas.openxmlformats.org/presentationml/2006/main">
+  <p:cSld>
+    <p:spTree>
+      <p:nvGrpSpPr>
+        <p:cNvPr id="1" name=""/>
+        <p:cNvGrpSpPr/>
+        <p:nvPr/>
+      </p:nvGrpSpPr>
+      <p:grpSpPr>
+        <a:xfrm>
+          <a:off x="0" y="0"/>
+          <a:ext cx="0" cy="0"/>
+          <a:chOff x="0" y="0"/>
+          <a:chExt cx="0" cy="0"/>
+        </a:xfrm>
+      </p:grpSpPr>
+      <p:sp>
+        <p:nvSpPr>
+          <p:cNvPr id="5" name="內容版面配置區 4"/>
+          <p:cNvSpPr>
+            <a:spLocks noGrp="1"/>
+          </p:cNvSpPr>
+          <p:nvPr>
+            <p:ph idx="1"/>
+          </p:nvPr>
+        </p:nvSpPr>
+        <p:spPr>
+          <a:xfrm>
+            <a:off x="0" y="1563639"/>
+            <a:ext cx="9144000" cy="1803647"/>
+          </a:xfrm>
+        </p:spPr>
+        <p:txBody>
+          <a:bodyPr anchor="ctr">
+            <a:normAutofit/>
+          </a:bodyPr>
+          <a:lstStyle/>
+          <a:p>
+            <a:pPr algn="ctr">
+              <a:buNone/>
+            </a:pPr>
+            <a:r>
+              <a:rPr lang="zh-TW" altLang="en-US" sz="4800" b="1" dirty="0">
+                <a:solidFill>
+                  <a:srgbClr val="660033"/>
+                </a:solidFill>
+                <a:latin typeface="微軟正黑體" pitchFamily="34" charset="-120"/>
+                <a:ea typeface="微軟正黑體" pitchFamily="34" charset="-120"/>
+              </a:rPr>
+              <a:t>不住祈禱  遇試探時</a:t>
+            </a:r>
+          </a:p>
+          <a:p>
+            <a:pPr algn="ctr">
+              <a:buNone/>
+            </a:pPr>
+            <a:r>
+              <a:rPr lang="zh-TW" altLang="en-US" sz="4800" b="1" dirty="0">
+                <a:solidFill>
+                  <a:srgbClr val="660033"/>
+                </a:solidFill>
+                <a:latin typeface="微軟正黑體" pitchFamily="34" charset="-120"/>
+                <a:ea typeface="微軟正黑體" pitchFamily="34" charset="-120"/>
+              </a:rPr>
+              <a:t>不住祈禱  必能站住</a:t>
+            </a:r>
+            <a:endParaRPr lang="en-US" altLang="zh-TW" sz="4800" b="1" dirty="0">
+              <a:solidFill>
+                <a:srgbClr val="660033"/>
+              </a:solidFill>
+              <a:latin typeface="微軟正黑體" pitchFamily="34" charset="-120"/>
+              <a:ea typeface="微軟正黑體" pitchFamily="34" charset="-120"/>
+            </a:endParaRPr>
+          </a:p>
+        </p:txBody>
+      </p:sp>
+      <p:sp>
+        <p:nvSpPr>
+          <p:cNvPr id="3" name="TextBox 2"/>
+          <p:cNvSpPr txBox="1"/>
+          <p:nvPr/>
+        </p:nvSpPr>
+        <p:spPr>
+          <a:xfrm>
+            <a:off x="0" y="3803914"/>
+            <a:ext cx="9144000" cy="646331"/>
+          </a:xfrm>
+          <a:prstGeom prst="rect">
+            <a:avLst/>
+          </a:prstGeom>
+          <a:noFill/>
+        </p:spPr>
+        <p:txBody>
+          <a:bodyPr wrap="square" rtlCol="0">
+            <a:spAutoFit/>
+          </a:bodyPr>
+          <a:lstStyle/>
+          <a:p>
+            <a:pPr algn="ctr"/>
+            <a:r>
+              <a:rPr lang="en-US" sz="3600" b="1" dirty="0">
+                <a:solidFill>
+                  <a:srgbClr val="660033"/>
+                </a:solidFill>
+                <a:effectLst/>
+              </a:rPr>
+              <a:t>( </a:t>
+            </a:r>
+            <a:r>
+              <a:rPr lang="en-US" sz="3600" b="1" dirty="0" smtClean="0">
+                <a:solidFill>
+                  <a:srgbClr val="660033"/>
+                </a:solidFill>
+                <a:effectLst/>
+              </a:rPr>
+              <a:t>3 </a:t>
+            </a:r>
+            <a:r>
+              <a:rPr lang="en-US" sz="3600" b="1" dirty="0">
+                <a:solidFill>
+                  <a:srgbClr val="660033"/>
+                </a:solidFill>
+                <a:effectLst/>
+              </a:rPr>
+              <a:t>)</a:t>
+            </a:r>
+            <a:endParaRPr lang="vi-VN" sz="3600" b="1" dirty="0">
+              <a:solidFill>
+                <a:srgbClr val="660033"/>
+              </a:solidFill>
+              <a:effectLst/>
+            </a:endParaRPr>
+          </a:p>
+        </p:txBody>
+      </p:sp>
+    </p:spTree>
+    <p:extLst>
+      <p:ext uri="{BB962C8B-B14F-4D97-AF65-F5344CB8AC3E}">
+        <p14:creationId xmlns:p14="http://schemas.microsoft.com/office/powerpoint/2010/main" val="2300894282"/>
+      </p:ext>
+    </p:extLst>
+  </p:cSld>
+  <p:clrMapOvr>
+    <a:masterClrMapping/>
+  </p:clrMapOvr>
+  <p:timing>
+    <p:tnLst>
+      <p:par>
+        <p:cTn id="1" dur="indefinite" restart="never" nodeType="tmRoot"/>
+      </p:par>
+    </p:tnLst>
+  </p:timing>
+</p:sld>
+</file>
+
+<file path=ppt/slides/slide7.xml><?xml version="1.0" encoding="utf-8"?>
+<p:sld xmlns:a="http://schemas.openxmlformats.org/drawingml/2006/main" xmlns:r="http://schemas.openxmlformats.org/officeDocument/2006/relationships" xmlns:p="http://schemas.openxmlformats.org/presentationml/2006/main">
+  <p:cSld>
+    <p:spTree>
+      <p:nvGrpSpPr>
+        <p:cNvPr id="1" name=""/>
+        <p:cNvGrpSpPr/>
+        <p:nvPr/>
+      </p:nvGrpSpPr>
+      <p:grpSpPr>
+        <a:xfrm>
+          <a:off x="0" y="0"/>
+          <a:ext cx="0" cy="0"/>
+          <a:chOff x="0" y="0"/>
+          <a:chExt cx="0" cy="0"/>
+        </a:xfrm>
+      </p:grpSpPr>
+      <p:sp>
+        <p:nvSpPr>
+          <p:cNvPr id="5" name="內容版面配置區 4"/>
+          <p:cNvSpPr>
+            <a:spLocks noGrp="1"/>
+          </p:cNvSpPr>
+          <p:nvPr>
+            <p:ph idx="1"/>
+          </p:nvPr>
+        </p:nvSpPr>
+        <p:spPr>
+          <a:xfrm>
+            <a:off x="0" y="1563639"/>
+            <a:ext cx="9144000" cy="1803647"/>
+          </a:xfrm>
+        </p:spPr>
+        <p:txBody>
+          <a:bodyPr anchor="ctr">
+            <a:normAutofit/>
+          </a:bodyPr>
+          <a:lstStyle/>
+          <a:p>
+            <a:pPr algn="ctr">
+              <a:buNone/>
+            </a:pPr>
+            <a:r>
+              <a:rPr lang="zh-TW" altLang="en-US" sz="4800" b="1" dirty="0">
+                <a:solidFill>
+                  <a:srgbClr val="660033"/>
+                </a:solidFill>
+                <a:latin typeface="微軟正黑體" pitchFamily="34" charset="-120"/>
+                <a:ea typeface="微軟正黑體" pitchFamily="34" charset="-120"/>
+              </a:rPr>
+              <a:t>主曾受試  凡事體恤</a:t>
+            </a:r>
+          </a:p>
+          <a:p>
+            <a:pPr algn="ctr">
+              <a:buNone/>
+            </a:pPr>
+            <a:r>
+              <a:rPr lang="zh-TW" altLang="en-US" sz="4800" b="1" dirty="0">
+                <a:solidFill>
+                  <a:srgbClr val="660033"/>
+                </a:solidFill>
+                <a:latin typeface="微軟正黑體" pitchFamily="34" charset="-120"/>
+                <a:ea typeface="微軟正黑體" pitchFamily="34" charset="-120"/>
+              </a:rPr>
+              <a:t>不住祈禱  主攙扶你</a:t>
             </a:r>
             <a:endParaRPr lang="zh-TW" altLang="en-US" sz="4800" b="1" dirty="0">
               <a:solidFill>
-                <a:srgbClr val="002060"/>
+                <a:srgbClr val="660033"/>
               </a:solidFill>
+              <a:latin typeface="微軟正黑體" pitchFamily="34" charset="-120"/>
+              <a:ea typeface="微軟正黑體" pitchFamily="34" charset="-120"/>
             </a:endParaRPr>
           </a:p>
         </p:txBody>
       </p:sp>
+      <p:sp>
+        <p:nvSpPr>
+          <p:cNvPr id="3" name="TextBox 2"/>
+          <p:cNvSpPr txBox="1"/>
+          <p:nvPr/>
+        </p:nvSpPr>
+        <p:spPr>
+          <a:xfrm>
+            <a:off x="0" y="3803914"/>
+            <a:ext cx="9144000" cy="646331"/>
+          </a:xfrm>
+          <a:prstGeom prst="rect">
+            <a:avLst/>
+          </a:prstGeom>
+          <a:noFill/>
+        </p:spPr>
+        <p:txBody>
+          <a:bodyPr wrap="square" rtlCol="0">
+            <a:spAutoFit/>
+          </a:bodyPr>
+          <a:lstStyle/>
+          <a:p>
+            <a:pPr algn="ctr"/>
+            <a:r>
+              <a:rPr lang="en-US" sz="3600" b="1" dirty="0">
+                <a:solidFill>
+                  <a:srgbClr val="660033"/>
+                </a:solidFill>
+                <a:effectLst/>
+              </a:rPr>
+              <a:t>( </a:t>
+            </a:r>
+            <a:r>
+              <a:rPr lang="en-US" sz="3600" b="1" dirty="0" smtClean="0">
+                <a:solidFill>
+                  <a:srgbClr val="660033"/>
+                </a:solidFill>
+                <a:effectLst/>
+              </a:rPr>
+              <a:t>3 </a:t>
+            </a:r>
+            <a:r>
+              <a:rPr lang="en-US" sz="3600" b="1" dirty="0">
+                <a:solidFill>
+                  <a:srgbClr val="660033"/>
+                </a:solidFill>
+                <a:effectLst/>
+              </a:rPr>
+              <a:t>)</a:t>
+            </a:r>
+            <a:endParaRPr lang="vi-VN" sz="3600" b="1" dirty="0">
+              <a:solidFill>
+                <a:srgbClr val="660033"/>
+              </a:solidFill>
+              <a:effectLst/>
+            </a:endParaRPr>
+          </a:p>
+        </p:txBody>
+      </p:sp>
     </p:spTree>
+    <p:extLst>
+      <p:ext uri="{BB962C8B-B14F-4D97-AF65-F5344CB8AC3E}">
+        <p14:creationId xmlns:p14="http://schemas.microsoft.com/office/powerpoint/2010/main" val="3488323849"/>
+      </p:ext>
+    </p:extLst>
+  </p:cSld>
+  <p:clrMapOvr>
+    <a:masterClrMapping/>
+  </p:clrMapOvr>
+  <p:timing>
+    <p:tnLst>
+      <p:par>
+        <p:cTn id="1" dur="indefinite" restart="never" nodeType="tmRoot"/>
+      </p:par>
+    </p:tnLst>
+  </p:timing>
+</p:sld>
+</file>
+
+<file path=ppt/slides/slide8.xml><?xml version="1.0" encoding="utf-8"?>
+<p:sld xmlns:a="http://schemas.openxmlformats.org/drawingml/2006/main" xmlns:r="http://schemas.openxmlformats.org/officeDocument/2006/relationships" xmlns:p="http://schemas.openxmlformats.org/presentationml/2006/main">
+  <p:cSld>
+    <p:spTree>
+      <p:nvGrpSpPr>
+        <p:cNvPr id="1" name=""/>
+        <p:cNvGrpSpPr/>
+        <p:nvPr/>
+      </p:nvGrpSpPr>
+      <p:grpSpPr>
+        <a:xfrm>
+          <a:off x="0" y="0"/>
+          <a:ext cx="0" cy="0"/>
+          <a:chOff x="0" y="0"/>
+          <a:chExt cx="0" cy="0"/>
+        </a:xfrm>
+      </p:grpSpPr>
+      <p:sp>
+        <p:nvSpPr>
+          <p:cNvPr id="5" name="內容版面配置區 4"/>
+          <p:cNvSpPr>
+            <a:spLocks noGrp="1"/>
+          </p:cNvSpPr>
+          <p:nvPr>
+            <p:ph idx="1"/>
+          </p:nvPr>
+        </p:nvSpPr>
+        <p:spPr>
+          <a:xfrm>
+            <a:off x="0" y="1563639"/>
+            <a:ext cx="9144000" cy="1803647"/>
+          </a:xfrm>
+        </p:spPr>
+        <p:txBody>
+          <a:bodyPr anchor="ctr">
+            <a:normAutofit/>
+          </a:bodyPr>
+          <a:lstStyle/>
+          <a:p>
+            <a:pPr algn="ctr">
+              <a:buNone/>
+            </a:pPr>
+            <a:r>
+              <a:rPr lang="zh-TW" altLang="en-US" sz="4800" b="1" dirty="0">
+                <a:solidFill>
+                  <a:srgbClr val="660033"/>
+                </a:solidFill>
+                <a:latin typeface="微軟正黑體" pitchFamily="34" charset="-120"/>
+                <a:ea typeface="微軟正黑體" pitchFamily="34" charset="-120"/>
+              </a:rPr>
+              <a:t>不住祈禱  若遇憂愁</a:t>
+            </a:r>
+          </a:p>
+          <a:p>
+            <a:pPr algn="ctr">
+              <a:buNone/>
+            </a:pPr>
+            <a:r>
+              <a:rPr lang="zh-TW" altLang="en-US" sz="4800" b="1" dirty="0">
+                <a:solidFill>
+                  <a:srgbClr val="660033"/>
+                </a:solidFill>
+                <a:latin typeface="微軟正黑體" pitchFamily="34" charset="-120"/>
+                <a:ea typeface="微軟正黑體" pitchFamily="34" charset="-120"/>
+              </a:rPr>
+              <a:t>不住祈禱  必能拯救</a:t>
+            </a:r>
+            <a:endParaRPr lang="en-US" altLang="zh-TW" sz="4800" b="1" dirty="0">
+              <a:solidFill>
+                <a:srgbClr val="660033"/>
+              </a:solidFill>
+              <a:latin typeface="微軟正黑體" pitchFamily="34" charset="-120"/>
+              <a:ea typeface="微軟正黑體" pitchFamily="34" charset="-120"/>
+            </a:endParaRPr>
+          </a:p>
+        </p:txBody>
+      </p:sp>
+      <p:sp>
+        <p:nvSpPr>
+          <p:cNvPr id="3" name="TextBox 2"/>
+          <p:cNvSpPr txBox="1"/>
+          <p:nvPr/>
+        </p:nvSpPr>
+        <p:spPr>
+          <a:xfrm>
+            <a:off x="0" y="3803914"/>
+            <a:ext cx="9144000" cy="646331"/>
+          </a:xfrm>
+          <a:prstGeom prst="rect">
+            <a:avLst/>
+          </a:prstGeom>
+          <a:noFill/>
+        </p:spPr>
+        <p:txBody>
+          <a:bodyPr wrap="square" rtlCol="0">
+            <a:spAutoFit/>
+          </a:bodyPr>
+          <a:lstStyle/>
+          <a:p>
+            <a:pPr algn="ctr"/>
+            <a:r>
+              <a:rPr lang="en-US" sz="3600" b="1" dirty="0">
+                <a:solidFill>
+                  <a:srgbClr val="660033"/>
+                </a:solidFill>
+                <a:effectLst/>
+              </a:rPr>
+              <a:t>( </a:t>
+            </a:r>
+            <a:r>
+              <a:rPr lang="en-US" sz="3600" b="1" dirty="0" smtClean="0">
+                <a:solidFill>
+                  <a:srgbClr val="660033"/>
+                </a:solidFill>
+                <a:effectLst/>
+              </a:rPr>
+              <a:t>4 </a:t>
+            </a:r>
+            <a:r>
+              <a:rPr lang="en-US" sz="3600" b="1" dirty="0">
+                <a:solidFill>
+                  <a:srgbClr val="660033"/>
+                </a:solidFill>
+                <a:effectLst/>
+              </a:rPr>
+              <a:t>)</a:t>
+            </a:r>
+            <a:endParaRPr lang="vi-VN" sz="3600" b="1" dirty="0">
+              <a:solidFill>
+                <a:srgbClr val="660033"/>
+              </a:solidFill>
+              <a:effectLst/>
+            </a:endParaRPr>
+          </a:p>
+        </p:txBody>
+      </p:sp>
+    </p:spTree>
+    <p:extLst>
+      <p:ext uri="{BB962C8B-B14F-4D97-AF65-F5344CB8AC3E}">
+        <p14:creationId xmlns:p14="http://schemas.microsoft.com/office/powerpoint/2010/main" val="1431477680"/>
+      </p:ext>
+    </p:extLst>
+  </p:cSld>
+  <p:clrMapOvr>
+    <a:masterClrMapping/>
+  </p:clrMapOvr>
+  <p:timing>
+    <p:tnLst>
+      <p:par>
+        <p:cTn id="1" dur="indefinite" restart="never" nodeType="tmRoot"/>
+      </p:par>
+    </p:tnLst>
+  </p:timing>
+</p:sld>
+</file>
+
+<file path=ppt/slides/slide9.xml><?xml version="1.0" encoding="utf-8"?>
+<p:sld xmlns:a="http://schemas.openxmlformats.org/drawingml/2006/main" xmlns:r="http://schemas.openxmlformats.org/officeDocument/2006/relationships" xmlns:p="http://schemas.openxmlformats.org/presentationml/2006/main">
+  <p:cSld>
+    <p:spTree>
+      <p:nvGrpSpPr>
+        <p:cNvPr id="1" name=""/>
+        <p:cNvGrpSpPr/>
+        <p:nvPr/>
+      </p:nvGrpSpPr>
+      <p:grpSpPr>
+        <a:xfrm>
+          <a:off x="0" y="0"/>
+          <a:ext cx="0" cy="0"/>
+          <a:chOff x="0" y="0"/>
+          <a:chExt cx="0" cy="0"/>
+        </a:xfrm>
+      </p:grpSpPr>
+      <p:sp>
+        <p:nvSpPr>
+          <p:cNvPr id="5" name="內容版面配置區 4"/>
+          <p:cNvSpPr>
+            <a:spLocks noGrp="1"/>
+          </p:cNvSpPr>
+          <p:nvPr>
+            <p:ph idx="1"/>
+          </p:nvPr>
+        </p:nvSpPr>
+        <p:spPr>
+          <a:xfrm>
+            <a:off x="0" y="1563639"/>
+            <a:ext cx="9144000" cy="1803647"/>
+          </a:xfrm>
+        </p:spPr>
+        <p:txBody>
+          <a:bodyPr anchor="ctr">
+            <a:normAutofit/>
+          </a:bodyPr>
+          <a:lstStyle/>
+          <a:p>
+            <a:pPr algn="ctr">
+              <a:buNone/>
+            </a:pPr>
+            <a:r>
+              <a:rPr lang="zh-TW" altLang="en-US" sz="4800" b="1" dirty="0">
+                <a:solidFill>
+                  <a:srgbClr val="660033"/>
+                </a:solidFill>
+                <a:latin typeface="微軟正黑體" pitchFamily="34" charset="-120"/>
+                <a:ea typeface="微軟正黑體" pitchFamily="34" charset="-120"/>
+              </a:rPr>
+              <a:t>你心苦楚  真神知道</a:t>
+            </a:r>
+          </a:p>
+          <a:p>
+            <a:pPr algn="ctr">
+              <a:buNone/>
+            </a:pPr>
+            <a:r>
+              <a:rPr lang="zh-TW" altLang="en-US" sz="4800" b="1" dirty="0">
+                <a:solidFill>
+                  <a:srgbClr val="660033"/>
+                </a:solidFill>
+                <a:latin typeface="微軟正黑體" pitchFamily="34" charset="-120"/>
+                <a:ea typeface="微軟正黑體" pitchFamily="34" charset="-120"/>
+              </a:rPr>
+              <a:t>不住祈禱  主會排好</a:t>
+            </a:r>
+            <a:endParaRPr lang="zh-TW" altLang="en-US" sz="4800" b="1" dirty="0">
+              <a:solidFill>
+                <a:srgbClr val="660033"/>
+              </a:solidFill>
+              <a:latin typeface="微軟正黑體" pitchFamily="34" charset="-120"/>
+              <a:ea typeface="微軟正黑體" pitchFamily="34" charset="-120"/>
+            </a:endParaRPr>
+          </a:p>
+        </p:txBody>
+      </p:sp>
+      <p:sp>
+        <p:nvSpPr>
+          <p:cNvPr id="3" name="TextBox 2"/>
+          <p:cNvSpPr txBox="1"/>
+          <p:nvPr/>
+        </p:nvSpPr>
+        <p:spPr>
+          <a:xfrm>
+            <a:off x="0" y="3803914"/>
+            <a:ext cx="9144000" cy="646331"/>
+          </a:xfrm>
+          <a:prstGeom prst="rect">
+            <a:avLst/>
+          </a:prstGeom>
+          <a:noFill/>
+        </p:spPr>
+        <p:txBody>
+          <a:bodyPr wrap="square" rtlCol="0">
+            <a:spAutoFit/>
+          </a:bodyPr>
+          <a:lstStyle/>
+          <a:p>
+            <a:pPr algn="ctr"/>
+            <a:r>
+              <a:rPr lang="en-US" sz="3600" b="1" dirty="0">
+                <a:solidFill>
+                  <a:srgbClr val="660033"/>
+                </a:solidFill>
+                <a:effectLst/>
+              </a:rPr>
+              <a:t>( </a:t>
+            </a:r>
+            <a:r>
+              <a:rPr lang="en-US" sz="3600" b="1" dirty="0" smtClean="0">
+                <a:solidFill>
+                  <a:srgbClr val="660033"/>
+                </a:solidFill>
+                <a:effectLst/>
+              </a:rPr>
+              <a:t>4 </a:t>
+            </a:r>
+            <a:r>
+              <a:rPr lang="en-US" sz="3600" b="1" dirty="0">
+                <a:solidFill>
+                  <a:srgbClr val="660033"/>
+                </a:solidFill>
+                <a:effectLst/>
+              </a:rPr>
+              <a:t>)</a:t>
+            </a:r>
+            <a:endParaRPr lang="vi-VN" sz="3600" b="1" dirty="0">
+              <a:solidFill>
+                <a:srgbClr val="660033"/>
+              </a:solidFill>
+              <a:effectLst/>
+            </a:endParaRPr>
+          </a:p>
+        </p:txBody>
+      </p:sp>
+    </p:spTree>
+    <p:extLst>
+      <p:ext uri="{BB962C8B-B14F-4D97-AF65-F5344CB8AC3E}">
+        <p14:creationId xmlns:p14="http://schemas.microsoft.com/office/powerpoint/2010/main" val="1347603562"/>
+      </p:ext>
+    </p:extLst>
   </p:cSld>
   <p:clrMapOvr>
     <a:masterClrMapping/>
